--- a/Slides/Querying_with_T-SQL_-_03.pptx
+++ b/Slides/Querying_with_T-SQL_-_03.pptx
@@ -216,7 +216,7 @@
           <a:p>
             <a:fld id="{312E7B4A-039C-48A2-9B2C-AF16AA3873D8}" type="datetimeFigureOut">
               <a:rPr lang="en-US" smtClean="0"/>
-              <a:t>1/23/2015</a:t>
+              <a:t>2/29/2016</a:t>
             </a:fld>
             <a:endParaRPr lang="en-US"/>
           </a:p>
@@ -381,7 +381,7 @@
           <a:p>
             <a:fld id="{DA005A0C-54D9-45AA-87D4-C551D08DFCE1}" type="datetimeFigureOut">
               <a:rPr lang="en-US" smtClean="0"/>
-              <a:t>1/23/2015</a:t>
+              <a:t>2/29/2016</a:t>
             </a:fld>
             <a:endParaRPr lang="en-US"/>
           </a:p>
@@ -445,38 +445,37 @@
           <a:p>
             <a:pPr lvl="0"/>
             <a:r>
-              <a:rPr lang="en-US" smtClean="0"/>
+              <a:rPr lang="en-US"/>
               <a:t>Click to edit Master text styles</a:t>
             </a:r>
           </a:p>
           <a:p>
             <a:pPr lvl="1"/>
             <a:r>
-              <a:rPr lang="en-US" smtClean="0"/>
+              <a:rPr lang="en-US"/>
               <a:t>Second level</a:t>
             </a:r>
           </a:p>
           <a:p>
             <a:pPr lvl="2"/>
             <a:r>
-              <a:rPr lang="en-US" smtClean="0"/>
+              <a:rPr lang="en-US"/>
               <a:t>Third level</a:t>
             </a:r>
           </a:p>
           <a:p>
             <a:pPr lvl="3"/>
             <a:r>
-              <a:rPr lang="en-US" smtClean="0"/>
+              <a:rPr lang="en-US"/>
               <a:t>Fourth level</a:t>
             </a:r>
           </a:p>
           <a:p>
             <a:pPr lvl="4"/>
             <a:r>
-              <a:rPr lang="en-US" smtClean="0"/>
+              <a:rPr lang="en-US"/>
               <a:t>Fifth level</a:t>
             </a:r>
-            <a:endParaRPr lang="en-US"/>
           </a:p>
         </p:txBody>
       </p:sp>
@@ -974,10 +973,9 @@
           </a:lstStyle>
           <a:p>
             <a:r>
-              <a:rPr lang="en-US" dirty="0" smtClean="0"/>
+              <a:rPr lang="en-US" dirty="0"/>
               <a:t>Click to edit Master subtitle style</a:t>
             </a:r>
-            <a:endParaRPr lang="en-US" dirty="0"/>
           </a:p>
         </p:txBody>
       </p:sp>
@@ -1032,10 +1030,9 @@
           <a:p>
             <a:pPr lvl="0"/>
             <a:r>
-              <a:rPr lang="en-US" dirty="0" smtClean="0"/>
+              <a:rPr lang="en-US" dirty="0"/>
               <a:t>Course title style</a:t>
             </a:r>
-            <a:endParaRPr lang="en-US" dirty="0"/>
           </a:p>
         </p:txBody>
       </p:sp>
@@ -1151,13 +1148,6 @@
   <p:clrMapOvr>
     <a:masterClrMapping/>
   </p:clrMapOvr>
-  <p:timing>
-    <p:tnLst>
-      <p:par>
-        <p:cTn id="1" dur="indefinite" restart="never" nodeType="tmRoot"/>
-      </p:par>
-    </p:tnLst>
-  </p:timing>
   <p:extLst mod="1">
     <p:ext uri="{DCECCB84-F9BA-43D5-87BE-67443E8EF086}">
       <p15:sldGuideLst xmlns:p15="http://schemas.microsoft.com/office/powerpoint/2012/main">
@@ -1393,10 +1383,9 @@
           </a:lstStyle>
           <a:p>
             <a:r>
-              <a:rPr lang="en-US" smtClean="0"/>
+              <a:rPr lang="en-US"/>
               <a:t>Click to edit Master subtitle style</a:t>
             </a:r>
-            <a:endParaRPr lang="en-US"/>
           </a:p>
         </p:txBody>
       </p:sp>
@@ -1596,7 +1585,7 @@
           <a:p>
             <a:pPr lvl="0"/>
             <a:r>
-              <a:rPr lang="en-US" dirty="0" smtClean="0"/>
+              <a:rPr lang="en-US" dirty="0"/>
               <a:t>Module or Section transition style</a:t>
             </a:r>
           </a:p>
@@ -1728,10 +1717,9 @@
           </a:lstStyle>
           <a:p>
             <a:r>
-              <a:rPr lang="en-US" dirty="0" smtClean="0"/>
+              <a:rPr lang="en-US" dirty="0"/>
               <a:t>Click to edit Master subtitle style</a:t>
             </a:r>
-            <a:endParaRPr lang="en-US" dirty="0"/>
           </a:p>
         </p:txBody>
       </p:sp>
@@ -1745,13 +1733,6 @@
   <p:clrMapOvr>
     <a:masterClrMapping/>
   </p:clrMapOvr>
-  <p:timing>
-    <p:tnLst>
-      <p:par>
-        <p:cTn id="1" dur="indefinite" restart="never" nodeType="tmRoot"/>
-      </p:par>
-    </p:tnLst>
-  </p:timing>
   <p:extLst mod="1">
     <p:ext uri="{DCECCB84-F9BA-43D5-87BE-67443E8EF086}">
       <p15:sldGuideLst xmlns:p15="http://schemas.microsoft.com/office/powerpoint/2012/main">
@@ -1818,10 +1799,9 @@
           </a:lstStyle>
           <a:p>
             <a:r>
-              <a:rPr lang="en-US" dirty="0" smtClean="0"/>
+              <a:rPr lang="en-US" dirty="0"/>
               <a:t>Click to edit Master title style</a:t>
             </a:r>
-            <a:endParaRPr lang="en-US" dirty="0"/>
           </a:p>
         </p:txBody>
       </p:sp>
@@ -1914,13 +1894,6 @@
   <p:clrMapOvr>
     <a:masterClrMapping/>
   </p:clrMapOvr>
-  <p:timing>
-    <p:tnLst>
-      <p:par>
-        <p:cTn id="1" dur="indefinite" restart="never" nodeType="tmRoot"/>
-      </p:par>
-    </p:tnLst>
-  </p:timing>
 </p:sldLayout>
 </file>
 
@@ -1957,10 +1930,9 @@
           <a:lstStyle/>
           <a:p>
             <a:r>
-              <a:rPr lang="en-US" dirty="0" smtClean="0"/>
+              <a:rPr lang="en-US" dirty="0"/>
               <a:t>Click to edit Master title style</a:t>
             </a:r>
-            <a:endParaRPr lang="en-US" dirty="0"/>
           </a:p>
         </p:txBody>
       </p:sp>
@@ -2028,38 +2000,37 @@
           <a:p>
             <a:pPr lvl="0"/>
             <a:r>
-              <a:rPr lang="en-US" dirty="0" smtClean="0"/>
+              <a:rPr lang="en-US" dirty="0"/>
               <a:t>Click to edit Master text styles</a:t>
             </a:r>
           </a:p>
           <a:p>
             <a:pPr lvl="1"/>
             <a:r>
-              <a:rPr lang="en-US" dirty="0" smtClean="0"/>
+              <a:rPr lang="en-US" dirty="0"/>
               <a:t>Second level</a:t>
             </a:r>
           </a:p>
           <a:p>
             <a:pPr lvl="2"/>
             <a:r>
-              <a:rPr lang="en-US" dirty="0" smtClean="0"/>
+              <a:rPr lang="en-US" dirty="0"/>
               <a:t>Third level</a:t>
             </a:r>
           </a:p>
           <a:p>
             <a:pPr lvl="3"/>
             <a:r>
-              <a:rPr lang="en-US" dirty="0" smtClean="0"/>
+              <a:rPr lang="en-US" dirty="0"/>
               <a:t>Fourth level</a:t>
             </a:r>
           </a:p>
           <a:p>
             <a:pPr lvl="4"/>
             <a:r>
-              <a:rPr lang="en-US" dirty="0" smtClean="0"/>
+              <a:rPr lang="en-US" dirty="0"/>
               <a:t>Fifth level</a:t>
             </a:r>
-            <a:endParaRPr lang="en-US" dirty="0"/>
           </a:p>
         </p:txBody>
       </p:sp>
@@ -2073,13 +2044,6 @@
   <p:clrMapOvr>
     <a:masterClrMapping/>
   </p:clrMapOvr>
-  <p:timing>
-    <p:tnLst>
-      <p:par>
-        <p:cTn id="1" dur="indefinite" restart="never" nodeType="tmRoot"/>
-      </p:par>
-    </p:tnLst>
-  </p:timing>
 </p:sldLayout>
 </file>
 
@@ -2155,38 +2119,37 @@
           <a:p>
             <a:pPr lvl="0"/>
             <a:r>
-              <a:rPr lang="en-US" dirty="0" smtClean="0"/>
+              <a:rPr lang="en-US" dirty="0"/>
               <a:t>Click to edit Master text styles</a:t>
             </a:r>
           </a:p>
           <a:p>
             <a:pPr lvl="1"/>
             <a:r>
-              <a:rPr lang="en-US" dirty="0" smtClean="0"/>
+              <a:rPr lang="en-US" dirty="0"/>
               <a:t>Second level</a:t>
             </a:r>
           </a:p>
           <a:p>
             <a:pPr lvl="2"/>
             <a:r>
-              <a:rPr lang="en-US" dirty="0" smtClean="0"/>
+              <a:rPr lang="en-US" dirty="0"/>
               <a:t>Third level</a:t>
             </a:r>
           </a:p>
           <a:p>
             <a:pPr lvl="3"/>
             <a:r>
-              <a:rPr lang="en-US" dirty="0" smtClean="0"/>
+              <a:rPr lang="en-US" dirty="0"/>
               <a:t>Fourth level</a:t>
             </a:r>
           </a:p>
           <a:p>
             <a:pPr lvl="4"/>
             <a:r>
-              <a:rPr lang="en-US" dirty="0" smtClean="0"/>
+              <a:rPr lang="en-US" dirty="0"/>
               <a:t>Fifth level</a:t>
             </a:r>
-            <a:endParaRPr lang="en-US" dirty="0"/>
           </a:p>
         </p:txBody>
       </p:sp>
@@ -2245,38 +2208,37 @@
           <a:p>
             <a:pPr lvl="0"/>
             <a:r>
-              <a:rPr lang="en-US" dirty="0" smtClean="0"/>
+              <a:rPr lang="en-US" dirty="0"/>
               <a:t>Click to edit Master text styles</a:t>
             </a:r>
           </a:p>
           <a:p>
             <a:pPr lvl="1"/>
             <a:r>
-              <a:rPr lang="en-US" dirty="0" smtClean="0"/>
+              <a:rPr lang="en-US" dirty="0"/>
               <a:t>Second level</a:t>
             </a:r>
           </a:p>
           <a:p>
             <a:pPr lvl="2"/>
             <a:r>
-              <a:rPr lang="en-US" dirty="0" smtClean="0"/>
+              <a:rPr lang="en-US" dirty="0"/>
               <a:t>Third level</a:t>
             </a:r>
           </a:p>
           <a:p>
             <a:pPr lvl="3"/>
             <a:r>
-              <a:rPr lang="en-US" dirty="0" smtClean="0"/>
+              <a:rPr lang="en-US" dirty="0"/>
               <a:t>Fourth level</a:t>
             </a:r>
           </a:p>
           <a:p>
             <a:pPr lvl="4"/>
             <a:r>
-              <a:rPr lang="en-US" dirty="0" smtClean="0"/>
+              <a:rPr lang="en-US" dirty="0"/>
               <a:t>Fifth level</a:t>
             </a:r>
-            <a:endParaRPr lang="en-US" dirty="0"/>
           </a:p>
         </p:txBody>
       </p:sp>
@@ -2296,10 +2258,9 @@
           <a:lstStyle/>
           <a:p>
             <a:r>
-              <a:rPr lang="en-US" smtClean="0"/>
+              <a:rPr lang="en-US"/>
               <a:t>Click to edit Master title style</a:t>
             </a:r>
-            <a:endParaRPr lang="en-US"/>
           </a:p>
         </p:txBody>
       </p:sp>
@@ -2313,13 +2274,6 @@
   <p:clrMapOvr>
     <a:masterClrMapping/>
   </p:clrMapOvr>
-  <p:timing>
-    <p:tnLst>
-      <p:par>
-        <p:cTn id="1" dur="indefinite" restart="never" nodeType="tmRoot"/>
-      </p:par>
-    </p:tnLst>
-  </p:timing>
 </p:sldLayout>
 </file>
 
@@ -2412,7 +2366,7 @@
           <a:p>
             <a:pPr lvl="0"/>
             <a:r>
-              <a:rPr lang="en-US" dirty="0" smtClean="0"/>
+              <a:rPr lang="en-US" dirty="0"/>
               <a:t>Click to edit Master text styles</a:t>
             </a:r>
           </a:p>
@@ -2471,38 +2425,37 @@
           <a:p>
             <a:pPr lvl="0"/>
             <a:r>
-              <a:rPr lang="en-US" dirty="0" smtClean="0"/>
+              <a:rPr lang="en-US" dirty="0"/>
               <a:t>Click to edit Master text styles</a:t>
             </a:r>
           </a:p>
           <a:p>
             <a:pPr lvl="1"/>
             <a:r>
-              <a:rPr lang="en-US" dirty="0" smtClean="0"/>
+              <a:rPr lang="en-US" dirty="0"/>
               <a:t>Second level</a:t>
             </a:r>
           </a:p>
           <a:p>
             <a:pPr lvl="2"/>
             <a:r>
-              <a:rPr lang="en-US" dirty="0" smtClean="0"/>
+              <a:rPr lang="en-US" dirty="0"/>
               <a:t>Third level</a:t>
             </a:r>
           </a:p>
           <a:p>
             <a:pPr lvl="3"/>
             <a:r>
-              <a:rPr lang="en-US" dirty="0" smtClean="0"/>
+              <a:rPr lang="en-US" dirty="0"/>
               <a:t>Fourth level</a:t>
             </a:r>
           </a:p>
           <a:p>
             <a:pPr lvl="4"/>
             <a:r>
-              <a:rPr lang="en-US" dirty="0" smtClean="0"/>
+              <a:rPr lang="en-US" dirty="0"/>
               <a:t>Fifth level</a:t>
             </a:r>
-            <a:endParaRPr lang="en-US" dirty="0"/>
           </a:p>
         </p:txBody>
       </p:sp>
@@ -2578,7 +2531,7 @@
           <a:p>
             <a:pPr lvl="0"/>
             <a:r>
-              <a:rPr lang="en-US" dirty="0" smtClean="0"/>
+              <a:rPr lang="en-US" dirty="0"/>
               <a:t>Click to edit Master text styles</a:t>
             </a:r>
           </a:p>
@@ -2637,38 +2590,37 @@
           <a:p>
             <a:pPr lvl="0"/>
             <a:r>
-              <a:rPr lang="en-US" dirty="0" smtClean="0"/>
+              <a:rPr lang="en-US" dirty="0"/>
               <a:t>Click to edit Master text styles</a:t>
             </a:r>
           </a:p>
           <a:p>
             <a:pPr lvl="1"/>
             <a:r>
-              <a:rPr lang="en-US" dirty="0" smtClean="0"/>
+              <a:rPr lang="en-US" dirty="0"/>
               <a:t>Second level</a:t>
             </a:r>
           </a:p>
           <a:p>
             <a:pPr lvl="2"/>
             <a:r>
-              <a:rPr lang="en-US" dirty="0" smtClean="0"/>
+              <a:rPr lang="en-US" dirty="0"/>
               <a:t>Third level</a:t>
             </a:r>
           </a:p>
           <a:p>
             <a:pPr lvl="3"/>
             <a:r>
-              <a:rPr lang="en-US" dirty="0" smtClean="0"/>
+              <a:rPr lang="en-US" dirty="0"/>
               <a:t>Fourth level</a:t>
             </a:r>
           </a:p>
           <a:p>
             <a:pPr lvl="4"/>
             <a:r>
-              <a:rPr lang="en-US" dirty="0" smtClean="0"/>
+              <a:rPr lang="en-US" dirty="0"/>
               <a:t>Fifth level</a:t>
             </a:r>
-            <a:endParaRPr lang="en-US" dirty="0"/>
           </a:p>
         </p:txBody>
       </p:sp>
@@ -2688,10 +2640,9 @@
           <a:lstStyle/>
           <a:p>
             <a:r>
-              <a:rPr lang="en-US" smtClean="0"/>
+              <a:rPr lang="en-US"/>
               <a:t>Click to edit Master title style</a:t>
             </a:r>
-            <a:endParaRPr lang="en-US"/>
           </a:p>
         </p:txBody>
       </p:sp>
@@ -2705,13 +2656,6 @@
   <p:clrMapOvr>
     <a:masterClrMapping/>
   </p:clrMapOvr>
-  <p:timing>
-    <p:tnLst>
-      <p:par>
-        <p:cTn id="1" dur="indefinite" restart="never" nodeType="tmRoot"/>
-      </p:par>
-    </p:tnLst>
-  </p:timing>
 </p:sldLayout>
 </file>
 
@@ -2748,10 +2692,9 @@
           <a:lstStyle/>
           <a:p>
             <a:r>
-              <a:rPr lang="en-US" smtClean="0"/>
+              <a:rPr lang="en-US"/>
               <a:t>Click to edit Master title style</a:t>
             </a:r>
-            <a:endParaRPr lang="en-US"/>
           </a:p>
         </p:txBody>
       </p:sp>
@@ -2765,13 +2708,6 @@
   <p:clrMapOvr>
     <a:masterClrMapping/>
   </p:clrMapOvr>
-  <p:timing>
-    <p:tnLst>
-      <p:par>
-        <p:cTn id="1" dur="indefinite" restart="never" nodeType="tmRoot"/>
-      </p:par>
-    </p:tnLst>
-  </p:timing>
 </p:sldLayout>
 </file>
 
@@ -2802,13 +2738,6 @@
   <p:clrMapOvr>
     <a:masterClrMapping/>
   </p:clrMapOvr>
-  <p:timing>
-    <p:tnLst>
-      <p:par>
-        <p:cTn id="1" dur="indefinite" restart="never" nodeType="tmRoot"/>
-      </p:par>
-    </p:tnLst>
-  </p:timing>
 </p:sldLayout>
 </file>
 
@@ -2941,27 +2870,7 @@
                   </a:schemeClr>
                 </a:solidFill>
               </a:rPr>
-              <a:t>©</a:t>
-            </a:r>
-            <a:r>
-              <a:rPr lang="en-US" sz="1050" dirty="0" smtClean="0">
-                <a:solidFill>
-                  <a:schemeClr val="bg1">
-                    <a:lumMod val="85000"/>
-                  </a:schemeClr>
-                </a:solidFill>
-              </a:rPr>
-              <a:t>2014 </a:t>
-            </a:r>
-            <a:r>
-              <a:rPr lang="en-US" sz="1050" dirty="0">
-                <a:solidFill>
-                  <a:schemeClr val="bg1">
-                    <a:lumMod val="85000"/>
-                  </a:schemeClr>
-                </a:solidFill>
-              </a:rPr>
-              <a:t>Microsoft Corporation. All rights reserved. Microsoft, Windows, Office, Azure, System Center, Dynamics and other product names are or may be registered trademarks and/or trademarks in the U.S. and/or other countries. The information herein is for informational purposes only and represents the current view of Microsoft Corporation as of the date of this presentation. Because Microsoft must respond to changing market conditions, it should not be interpreted to be a commitment on the part of Microsoft, and Microsoft cannot guarantee the accuracy of any information provided after the date of this presentation. MICROSOFT MAKES NO WARRANTIES, EXPRESS, IMPLIED OR STATUTORY, AS TO THE INFORMATION IN THIS PRESENTATION.</a:t>
+              <a:t>©2014 Microsoft Corporation. All rights reserved. Microsoft, Windows, Office, Azure, System Center, Dynamics and other product names are or may be registered trademarks and/or trademarks in the U.S. and/or other countries. The information herein is for informational purposes only and represents the current view of Microsoft Corporation as of the date of this presentation. Because Microsoft must respond to changing market conditions, it should not be interpreted to be a commitment on the part of Microsoft, and Microsoft cannot guarantee the accuracy of any information provided after the date of this presentation. MICROSOFT MAKES NO WARRANTIES, EXPRESS, IMPLIED OR STATUTORY, AS TO THE INFORMATION IN THIS PRESENTATION.</a:t>
             </a:r>
           </a:p>
         </p:txBody>
@@ -3005,21 +2914,6 @@
   <p:clrMapOvr>
     <a:masterClrMapping/>
   </p:clrMapOvr>
-  <mc:AlternateContent xmlns:mc="http://schemas.openxmlformats.org/markup-compatibility/2006" xmlns:p14="http://schemas.microsoft.com/office/powerpoint/2010/main">
-    <mc:Choice Requires="p14">
-      <p:transition spd="slow" p14:dur="2000"/>
-    </mc:Choice>
-    <mc:Fallback xmlns="">
-      <p:transition spd="slow"/>
-    </mc:Fallback>
-  </mc:AlternateContent>
-  <p:timing>
-    <p:tnLst>
-      <p:par>
-        <p:cTn id="1" dur="indefinite" restart="never" nodeType="tmRoot"/>
-      </p:par>
-    </p:tnLst>
-  </p:timing>
 </p:sldLayout>
 </file>
 
@@ -3071,10 +2965,9 @@
           <a:lstStyle/>
           <a:p>
             <a:r>
-              <a:rPr lang="en-US" dirty="0" smtClean="0"/>
+              <a:rPr lang="en-US" dirty="0"/>
               <a:t>Click to edit Master title style</a:t>
             </a:r>
-            <a:endParaRPr lang="en-US" dirty="0"/>
           </a:p>
         </p:txBody>
       </p:sp>
@@ -3097,13 +2990,6 @@
     <p:sldLayoutId id="2147483668" r:id="rId8"/>
     <p:sldLayoutId id="2147483669" r:id="rId9"/>
   </p:sldLayoutIdLst>
-  <p:timing>
-    <p:tnLst>
-      <p:par>
-        <p:cTn id="1" dur="indefinite" restart="never" nodeType="tmRoot"/>
-      </p:par>
-    </p:tnLst>
-  </p:timing>
   <p:txStyles>
     <p:titleStyle>
       <a:lvl1pPr algn="l" defTabSz="914088" rtl="0" eaLnBrk="1" latinLnBrk="0" hangingPunct="1">
@@ -3407,10 +3293,9 @@
           <a:p>
             <a:pPr marL="914400" indent="-914400"/>
             <a:r>
-              <a:rPr lang="en-US" dirty="0" smtClean="0"/>
+              <a:rPr lang="en-US" dirty="0"/>
               <a:t>03 | Querying Multiple Tables with Joins</a:t>
             </a:r>
-            <a:endParaRPr lang="en-US" dirty="0"/>
           </a:p>
         </p:txBody>
       </p:sp>
@@ -3453,13 +3338,6 @@
   <p:clrMapOvr>
     <a:masterClrMapping/>
   </p:clrMapOvr>
-  <p:timing>
-    <p:tnLst>
-      <p:par>
-        <p:cTn id="1" dur="indefinite" restart="never" nodeType="tmRoot"/>
-      </p:par>
-    </p:tnLst>
-  </p:timing>
 </p:sld>
 </file>
 
@@ -3496,10 +3374,9 @@
           <a:lstStyle/>
           <a:p>
             <a:r>
-              <a:rPr lang="en-GB" dirty="0" smtClean="0"/>
+              <a:rPr lang="en-GB" dirty="0"/>
               <a:t>Using Cross Joins</a:t>
             </a:r>
-            <a:endParaRPr lang="en-GB" dirty="0"/>
           </a:p>
         </p:txBody>
       </p:sp>
@@ -3513,13 +3390,6 @@
   <p:clrMapOvr>
     <a:masterClrMapping/>
   </p:clrMapOvr>
-  <p:timing>
-    <p:tnLst>
-      <p:par>
-        <p:cTn id="1" dur="indefinite" restart="never" nodeType="tmRoot"/>
-      </p:par>
-    </p:tnLst>
-  </p:timing>
 </p:sld>
 </file>
 
@@ -3556,10 +3426,9 @@
           <a:lstStyle/>
           <a:p>
             <a:r>
-              <a:rPr lang="en-GB" dirty="0" smtClean="0"/>
+              <a:rPr lang="en-GB" dirty="0"/>
               <a:t>Self Joins</a:t>
             </a:r>
-            <a:endParaRPr lang="en-GB" dirty="0"/>
           </a:p>
         </p:txBody>
       </p:sp>
@@ -3584,12 +3453,8 @@
           <a:lstStyle/>
           <a:p>
             <a:r>
-              <a:rPr lang="en-US" dirty="0" smtClean="0"/>
-              <a:t>Compare </a:t>
-            </a:r>
-            <a:r>
               <a:rPr lang="en-US" dirty="0"/>
-              <a:t>rows in same table to each other</a:t>
+              <a:t>Compare rows in same table to each other</a:t>
             </a:r>
           </a:p>
           <a:p>
@@ -3651,18 +3516,24 @@
                 <a:gridCol w="1275656">
                   <a:extLst>
                     <a:ext uri="{9D8B030D-6E8A-4147-A177-3AD203B41FA5}">
-                      <a16:colId xmlns:a16="http://schemas.microsoft.com/office/drawing/2014/main" xmlns="" val="20000"/>
+                      <a16:colId xmlns:a16="http://schemas.microsoft.com/office/drawing/2014/main" val="20000"/>
                     </a:ext>
                   </a:extLst>
                 </a:gridCol>
                 <a:gridCol w="1141810">
                   <a:extLst>
                     <a:ext uri="{9D8B030D-6E8A-4147-A177-3AD203B41FA5}">
-                      <a16:colId xmlns:a16="http://schemas.microsoft.com/office/drawing/2014/main" xmlns="" val="20001"/>
+                      <a16:colId xmlns:a16="http://schemas.microsoft.com/office/drawing/2014/main" val="20001"/>
                     </a:ext>
                   </a:extLst>
                 </a:gridCol>
-                <a:gridCol w="1141810"/>
+                <a:gridCol w="1141810">
+                  <a:extLst>
+                    <a:ext uri="{9D8B030D-6E8A-4147-A177-3AD203B41FA5}">
+                      <a16:colId xmlns:a16="http://schemas.microsoft.com/office/drawing/2014/main" val="20002"/>
+                    </a:ext>
+                  </a:extLst>
+                </a:gridCol>
               </a:tblGrid>
               <a:tr h="203542">
                 <a:tc gridSpan="3">
@@ -3672,10 +3543,9 @@
                     <a:p>
                       <a:pPr algn="ctr"/>
                       <a:r>
-                        <a:rPr lang="en-GB" sz="1600" dirty="0" smtClean="0"/>
+                        <a:rPr lang="en-GB" sz="1600" dirty="0"/>
                         <a:t>Employee</a:t>
                       </a:r>
-                      <a:endParaRPr lang="en-GB" sz="1600" dirty="0"/>
                     </a:p>
                   </a:txBody>
                   <a:tcPr/>
@@ -3703,7 +3573,7 @@
                 </a:tc>
                 <a:extLst>
                   <a:ext uri="{0D108BD9-81ED-4DB2-BD59-A6C34878D82A}">
-                    <a16:rowId xmlns:a16="http://schemas.microsoft.com/office/drawing/2014/main" xmlns="" val="10000"/>
+                    <a16:rowId xmlns:a16="http://schemas.microsoft.com/office/drawing/2014/main" val="10000"/>
                   </a:ext>
                 </a:extLst>
               </a:tr>
@@ -3714,7 +3584,7 @@
                     <a:lstStyle/>
                     <a:p>
                       <a:r>
-                        <a:rPr lang="en-GB" sz="1600" b="0" dirty="0" err="1" smtClean="0">
+                        <a:rPr lang="en-GB" sz="1600" b="0" dirty="0" err="1">
                           <a:solidFill>
                             <a:schemeClr val="bg1"/>
                           </a:solidFill>
@@ -3740,7 +3610,7 @@
                     <a:lstStyle/>
                     <a:p>
                       <a:r>
-                        <a:rPr lang="en-GB" sz="1600" b="0" dirty="0" err="1" smtClean="0">
+                        <a:rPr lang="en-GB" sz="1600" b="0" dirty="0" err="1">
                           <a:solidFill>
                             <a:schemeClr val="bg1"/>
                           </a:solidFill>
@@ -3766,7 +3636,7 @@
                     <a:lstStyle/>
                     <a:p>
                       <a:r>
-                        <a:rPr lang="en-GB" sz="1600" b="0" dirty="0" err="1" smtClean="0">
+                        <a:rPr lang="en-GB" sz="1600" b="0" dirty="0" err="1">
                           <a:solidFill>
                             <a:schemeClr val="bg1"/>
                           </a:solidFill>
@@ -3788,7 +3658,7 @@
                 </a:tc>
                 <a:extLst>
                   <a:ext uri="{0D108BD9-81ED-4DB2-BD59-A6C34878D82A}">
-                    <a16:rowId xmlns:a16="http://schemas.microsoft.com/office/drawing/2014/main" xmlns="" val="10001"/>
+                    <a16:rowId xmlns:a16="http://schemas.microsoft.com/office/drawing/2014/main" val="10001"/>
                   </a:ext>
                 </a:extLst>
               </a:tr>
@@ -3799,10 +3669,9 @@
                     <a:lstStyle/>
                     <a:p>
                       <a:r>
-                        <a:rPr lang="en-GB" sz="1600" dirty="0" smtClean="0"/>
+                        <a:rPr lang="en-GB" sz="1600" dirty="0"/>
                         <a:t>1</a:t>
                       </a:r>
-                      <a:endParaRPr lang="en-GB" sz="1600" dirty="0"/>
                     </a:p>
                   </a:txBody>
                   <a:tcPr/>
@@ -3813,10 +3682,9 @@
                     <a:lstStyle/>
                     <a:p>
                       <a:r>
-                        <a:rPr lang="en-GB" sz="1600" dirty="0" smtClean="0"/>
+                        <a:rPr lang="en-GB" sz="1600" dirty="0"/>
                         <a:t>Dan</a:t>
                       </a:r>
-                      <a:endParaRPr lang="en-GB" sz="1600" dirty="0"/>
                     </a:p>
                   </a:txBody>
                   <a:tcPr/>
@@ -3827,17 +3695,16 @@
                     <a:lstStyle/>
                     <a:p>
                       <a:r>
-                        <a:rPr lang="en-GB" sz="1600" dirty="0" smtClean="0"/>
+                        <a:rPr lang="en-GB" sz="1600" dirty="0"/>
                         <a:t>NULL</a:t>
                       </a:r>
-                      <a:endParaRPr lang="en-GB" sz="1600" dirty="0"/>
                     </a:p>
                   </a:txBody>
                   <a:tcPr/>
                 </a:tc>
                 <a:extLst>
                   <a:ext uri="{0D108BD9-81ED-4DB2-BD59-A6C34878D82A}">
-                    <a16:rowId xmlns:a16="http://schemas.microsoft.com/office/drawing/2014/main" xmlns="" val="10002"/>
+                    <a16:rowId xmlns:a16="http://schemas.microsoft.com/office/drawing/2014/main" val="10002"/>
                   </a:ext>
                 </a:extLst>
               </a:tr>
@@ -3848,10 +3715,9 @@
                     <a:lstStyle/>
                     <a:p>
                       <a:r>
-                        <a:rPr lang="en-GB" sz="1600" dirty="0" smtClean="0"/>
+                        <a:rPr lang="en-GB" sz="1600" dirty="0"/>
                         <a:t>2</a:t>
                       </a:r>
-                      <a:endParaRPr lang="en-GB" sz="1600" dirty="0"/>
                     </a:p>
                   </a:txBody>
                   <a:tcPr/>
@@ -3862,10 +3728,9 @@
                     <a:lstStyle/>
                     <a:p>
                       <a:r>
-                        <a:rPr lang="en-GB" sz="1600" dirty="0" smtClean="0"/>
+                        <a:rPr lang="en-GB" sz="1600" dirty="0"/>
                         <a:t>Aisha</a:t>
                       </a:r>
-                      <a:endParaRPr lang="en-GB" sz="1600" dirty="0"/>
                     </a:p>
                   </a:txBody>
                   <a:tcPr/>
@@ -3876,17 +3741,16 @@
                     <a:lstStyle/>
                     <a:p>
                       <a:r>
-                        <a:rPr lang="en-GB" sz="1600" dirty="0" smtClean="0"/>
+                        <a:rPr lang="en-GB" sz="1600" dirty="0"/>
                         <a:t>1</a:t>
                       </a:r>
-                      <a:endParaRPr lang="en-GB" sz="1600" dirty="0"/>
                     </a:p>
                   </a:txBody>
                   <a:tcPr/>
                 </a:tc>
                 <a:extLst>
                   <a:ext uri="{0D108BD9-81ED-4DB2-BD59-A6C34878D82A}">
-                    <a16:rowId xmlns:a16="http://schemas.microsoft.com/office/drawing/2014/main" xmlns="" val="10003"/>
+                    <a16:rowId xmlns:a16="http://schemas.microsoft.com/office/drawing/2014/main" val="10003"/>
                   </a:ext>
                 </a:extLst>
               </a:tr>
@@ -3897,10 +3761,9 @@
                     <a:lstStyle/>
                     <a:p>
                       <a:r>
-                        <a:rPr lang="en-GB" sz="1600" dirty="0" smtClean="0"/>
+                        <a:rPr lang="en-GB" sz="1600" dirty="0"/>
                         <a:t>3</a:t>
                       </a:r>
-                      <a:endParaRPr lang="en-GB" sz="1600" dirty="0"/>
                     </a:p>
                   </a:txBody>
                   <a:tcPr/>
@@ -3911,10 +3774,9 @@
                     <a:lstStyle/>
                     <a:p>
                       <a:r>
-                        <a:rPr lang="en-GB" sz="1600" dirty="0" smtClean="0"/>
+                        <a:rPr lang="en-GB" sz="1600" dirty="0"/>
                         <a:t>Rosie</a:t>
                       </a:r>
-                      <a:endParaRPr lang="en-GB" sz="1600" dirty="0"/>
                     </a:p>
                   </a:txBody>
                   <a:tcPr/>
@@ -3925,14 +3787,18 @@
                     <a:lstStyle/>
                     <a:p>
                       <a:r>
-                        <a:rPr lang="en-GB" sz="1600" dirty="0" smtClean="0"/>
+                        <a:rPr lang="en-GB" sz="1600" dirty="0"/>
                         <a:t>1</a:t>
                       </a:r>
-                      <a:endParaRPr lang="en-GB" sz="1600" dirty="0"/>
                     </a:p>
                   </a:txBody>
                   <a:tcPr/>
                 </a:tc>
+                <a:extLst>
+                  <a:ext uri="{0D108BD9-81ED-4DB2-BD59-A6C34878D82A}">
+                    <a16:rowId xmlns:a16="http://schemas.microsoft.com/office/drawing/2014/main" val="10004"/>
+                  </a:ext>
+                </a:extLst>
               </a:tr>
               <a:tr h="203542">
                 <a:tc>
@@ -3941,10 +3807,9 @@
                     <a:lstStyle/>
                     <a:p>
                       <a:r>
-                        <a:rPr lang="en-GB" sz="1600" dirty="0" smtClean="0"/>
+                        <a:rPr lang="en-GB" sz="1600" dirty="0"/>
                         <a:t>4</a:t>
                       </a:r>
-                      <a:endParaRPr lang="en-GB" sz="1600" dirty="0"/>
                     </a:p>
                   </a:txBody>
                   <a:tcPr/>
@@ -3955,10 +3820,9 @@
                     <a:lstStyle/>
                     <a:p>
                       <a:r>
-                        <a:rPr lang="en-GB" sz="1600" dirty="0" smtClean="0"/>
+                        <a:rPr lang="en-GB" sz="1600" dirty="0"/>
                         <a:t>Naomi</a:t>
                       </a:r>
-                      <a:endParaRPr lang="en-GB" sz="1600" dirty="0"/>
                     </a:p>
                   </a:txBody>
                   <a:tcPr/>
@@ -3969,14 +3833,18 @@
                     <a:lstStyle/>
                     <a:p>
                       <a:r>
-                        <a:rPr lang="en-GB" sz="1600" dirty="0" smtClean="0"/>
+                        <a:rPr lang="en-GB" sz="1600" dirty="0"/>
                         <a:t>3</a:t>
                       </a:r>
-                      <a:endParaRPr lang="en-GB" sz="1600" dirty="0"/>
                     </a:p>
                   </a:txBody>
                   <a:tcPr/>
                 </a:tc>
+                <a:extLst>
+                  <a:ext uri="{0D108BD9-81ED-4DB2-BD59-A6C34878D82A}">
+                    <a16:rowId xmlns:a16="http://schemas.microsoft.com/office/drawing/2014/main" val="10005"/>
+                  </a:ext>
+                </a:extLst>
               </a:tr>
             </a:tbl>
           </a:graphicData>
@@ -3991,7 +3859,7 @@
           <p:nvPr>
             <p:extLst>
               <p:ext uri="{D42A27DB-BD31-4B8C-83A1-F6EECF244321}">
-                <p14:modId xmlns:p14="http://schemas.microsoft.com/office/powerpoint/2010/main" val="366796311"/>
+                <p14:modId xmlns:p14="http://schemas.microsoft.com/office/powerpoint/2010/main" val="236183456"/>
               </p:ext>
             </p:extLst>
           </p:nvPr>
@@ -4010,14 +3878,14 @@
                 <a:gridCol w="1792541">
                   <a:extLst>
                     <a:ext uri="{9D8B030D-6E8A-4147-A177-3AD203B41FA5}">
-                      <a16:colId xmlns:a16="http://schemas.microsoft.com/office/drawing/2014/main" xmlns="" val="20001"/>
+                      <a16:colId xmlns:a16="http://schemas.microsoft.com/office/drawing/2014/main" val="20001"/>
                     </a:ext>
                   </a:extLst>
                 </a:gridCol>
                 <a:gridCol w="1747072">
                   <a:extLst>
                     <a:ext uri="{9D8B030D-6E8A-4147-A177-3AD203B41FA5}">
-                      <a16:colId xmlns:a16="http://schemas.microsoft.com/office/drawing/2014/main" xmlns="" val="20002"/>
+                      <a16:colId xmlns:a16="http://schemas.microsoft.com/office/drawing/2014/main" val="20002"/>
                     </a:ext>
                   </a:extLst>
                 </a:gridCol>
@@ -4030,10 +3898,9 @@
                     <a:p>
                       <a:pPr algn="ctr"/>
                       <a:r>
-                        <a:rPr lang="en-GB" sz="1600" dirty="0" smtClean="0"/>
+                        <a:rPr lang="en-GB" sz="1600" dirty="0"/>
                         <a:t>Result</a:t>
                       </a:r>
-                      <a:endParaRPr lang="en-GB" sz="1600" dirty="0"/>
                     </a:p>
                   </a:txBody>
                   <a:tcPr/>
@@ -4050,7 +3917,7 @@
                 </a:tc>
                 <a:extLst>
                   <a:ext uri="{0D108BD9-81ED-4DB2-BD59-A6C34878D82A}">
-                    <a16:rowId xmlns:a16="http://schemas.microsoft.com/office/drawing/2014/main" xmlns="" val="10000"/>
+                    <a16:rowId xmlns:a16="http://schemas.microsoft.com/office/drawing/2014/main" val="10000"/>
                   </a:ext>
                 </a:extLst>
               </a:tr>
@@ -4061,18 +3928,13 @@
                     <a:lstStyle/>
                     <a:p>
                       <a:r>
-                        <a:rPr lang="en-GB" sz="1600" b="0" dirty="0" smtClean="0">
+                        <a:rPr lang="en-GB" sz="1600" b="0" dirty="0">
                           <a:solidFill>
                             <a:schemeClr val="bg1"/>
                           </a:solidFill>
                         </a:rPr>
                         <a:t>Employee</a:t>
                       </a:r>
-                      <a:endParaRPr lang="en-GB" sz="1600" b="0" dirty="0">
-                        <a:solidFill>
-                          <a:schemeClr val="bg1"/>
-                        </a:solidFill>
-                      </a:endParaRPr>
                     </a:p>
                   </a:txBody>
                   <a:tcPr>
@@ -4087,18 +3949,13 @@
                     <a:lstStyle/>
                     <a:p>
                       <a:r>
-                        <a:rPr lang="en-GB" sz="1600" b="0" dirty="0" smtClean="0">
+                        <a:rPr lang="en-GB" sz="1600" b="0" dirty="0">
                           <a:solidFill>
                             <a:schemeClr val="bg1"/>
                           </a:solidFill>
                         </a:rPr>
                         <a:t>Manager</a:t>
                       </a:r>
-                      <a:endParaRPr lang="en-GB" sz="1600" b="0" dirty="0">
-                        <a:solidFill>
-                          <a:schemeClr val="bg1"/>
-                        </a:solidFill>
-                      </a:endParaRPr>
                     </a:p>
                   </a:txBody>
                   <a:tcPr>
@@ -4109,7 +3966,7 @@
                 </a:tc>
                 <a:extLst>
                   <a:ext uri="{0D108BD9-81ED-4DB2-BD59-A6C34878D82A}">
-                    <a16:rowId xmlns:a16="http://schemas.microsoft.com/office/drawing/2014/main" xmlns="" val="10001"/>
+                    <a16:rowId xmlns:a16="http://schemas.microsoft.com/office/drawing/2014/main" val="10001"/>
                   </a:ext>
                 </a:extLst>
               </a:tr>
@@ -4120,10 +3977,9 @@
                     <a:lstStyle/>
                     <a:p>
                       <a:r>
-                        <a:rPr lang="en-GB" sz="1600" dirty="0" smtClean="0"/>
+                        <a:rPr lang="en-GB" sz="1600" dirty="0"/>
                         <a:t>Dan</a:t>
                       </a:r>
-                      <a:endParaRPr lang="en-GB" sz="1600" dirty="0"/>
                     </a:p>
                   </a:txBody>
                   <a:tcPr/>
@@ -4134,7 +3990,7 @@
                     <a:lstStyle/>
                     <a:p>
                       <a:r>
-                        <a:rPr lang="en-GB" sz="1600" i="1" dirty="0" smtClean="0">
+                        <a:rPr lang="en-GB" sz="1600" i="1" dirty="0">
                           <a:solidFill>
                             <a:schemeClr val="bg1">
                               <a:lumMod val="50000"/>
@@ -4143,20 +3999,13 @@
                         </a:rPr>
                         <a:t>NULL</a:t>
                       </a:r>
-                      <a:endParaRPr lang="en-GB" sz="1600" i="1" dirty="0">
-                        <a:solidFill>
-                          <a:schemeClr val="bg1">
-                            <a:lumMod val="50000"/>
-                          </a:schemeClr>
-                        </a:solidFill>
-                      </a:endParaRPr>
                     </a:p>
                   </a:txBody>
                   <a:tcPr/>
                 </a:tc>
                 <a:extLst>
                   <a:ext uri="{0D108BD9-81ED-4DB2-BD59-A6C34878D82A}">
-                    <a16:rowId xmlns:a16="http://schemas.microsoft.com/office/drawing/2014/main" xmlns="" val="10002"/>
+                    <a16:rowId xmlns:a16="http://schemas.microsoft.com/office/drawing/2014/main" val="10002"/>
                   </a:ext>
                 </a:extLst>
               </a:tr>
@@ -4167,10 +4016,9 @@
                     <a:lstStyle/>
                     <a:p>
                       <a:r>
-                        <a:rPr lang="en-GB" sz="1600" dirty="0" smtClean="0"/>
+                        <a:rPr lang="en-GB" sz="1600" dirty="0"/>
                         <a:t>Aisha</a:t>
                       </a:r>
-                      <a:endParaRPr lang="en-GB" sz="1600" dirty="0"/>
                     </a:p>
                   </a:txBody>
                   <a:tcPr/>
@@ -4181,17 +4029,16 @@
                     <a:lstStyle/>
                     <a:p>
                       <a:r>
-                        <a:rPr lang="en-GB" sz="1600" dirty="0" smtClean="0"/>
+                        <a:rPr lang="en-GB" sz="1600" dirty="0"/>
                         <a:t>Dan</a:t>
                       </a:r>
-                      <a:endParaRPr lang="en-GB" sz="1600" dirty="0"/>
                     </a:p>
                   </a:txBody>
                   <a:tcPr/>
                 </a:tc>
                 <a:extLst>
                   <a:ext uri="{0D108BD9-81ED-4DB2-BD59-A6C34878D82A}">
-                    <a16:rowId xmlns:a16="http://schemas.microsoft.com/office/drawing/2014/main" xmlns="" val="10003"/>
+                    <a16:rowId xmlns:a16="http://schemas.microsoft.com/office/drawing/2014/main" val="10003"/>
                   </a:ext>
                 </a:extLst>
               </a:tr>
@@ -4202,10 +4049,9 @@
                     <a:lstStyle/>
                     <a:p>
                       <a:r>
-                        <a:rPr lang="en-GB" sz="1600" dirty="0" smtClean="0"/>
+                        <a:rPr lang="en-GB" sz="1600" dirty="0"/>
                         <a:t>Rosie</a:t>
                       </a:r>
-                      <a:endParaRPr lang="en-GB" sz="1600" dirty="0"/>
                     </a:p>
                   </a:txBody>
                   <a:tcPr/>
@@ -4216,17 +4062,16 @@
                     <a:lstStyle/>
                     <a:p>
                       <a:r>
-                        <a:rPr lang="en-GB" sz="1600" dirty="0" smtClean="0"/>
+                        <a:rPr lang="en-GB" sz="1600" dirty="0"/>
                         <a:t>Dan</a:t>
                       </a:r>
-                      <a:endParaRPr lang="en-GB" sz="1600" dirty="0"/>
                     </a:p>
                   </a:txBody>
                   <a:tcPr/>
                 </a:tc>
                 <a:extLst>
                   <a:ext uri="{0D108BD9-81ED-4DB2-BD59-A6C34878D82A}">
-                    <a16:rowId xmlns:a16="http://schemas.microsoft.com/office/drawing/2014/main" xmlns="" val="10004"/>
+                    <a16:rowId xmlns:a16="http://schemas.microsoft.com/office/drawing/2014/main" val="10004"/>
                   </a:ext>
                 </a:extLst>
               </a:tr>
@@ -4237,10 +4082,9 @@
                     <a:lstStyle/>
                     <a:p>
                       <a:r>
-                        <a:rPr lang="en-GB" sz="1600" dirty="0" smtClean="0"/>
+                        <a:rPr lang="en-GB" sz="1600" dirty="0"/>
                         <a:t>Naomi</a:t>
                       </a:r>
-                      <a:endParaRPr lang="en-GB" sz="1600" dirty="0"/>
                     </a:p>
                   </a:txBody>
                   <a:tcPr/>
@@ -4251,14 +4095,18 @@
                     <a:lstStyle/>
                     <a:p>
                       <a:r>
-                        <a:rPr lang="en-GB" sz="1600" dirty="0" smtClean="0"/>
-                        <a:t>Aisha</a:t>
+                        <a:rPr lang="en-GB" sz="1600" dirty="0"/>
+                        <a:t>Rosie</a:t>
                       </a:r>
-                      <a:endParaRPr lang="en-GB" sz="1600" dirty="0"/>
                     </a:p>
                   </a:txBody>
                   <a:tcPr/>
                 </a:tc>
+                <a:extLst>
+                  <a:ext uri="{0D108BD9-81ED-4DB2-BD59-A6C34878D82A}">
+                    <a16:rowId xmlns:a16="http://schemas.microsoft.com/office/drawing/2014/main" val="10005"/>
+                  </a:ext>
+                </a:extLst>
               </a:tr>
             </a:tbl>
           </a:graphicData>
@@ -4324,23 +4172,15 @@
           <a:p>
             <a:r>
               <a:rPr lang="en-GB" sz="2000" dirty="0"/>
-              <a:t>             </a:t>
-            </a:r>
-            <a:r>
-              <a:rPr lang="en-GB" sz="2000" dirty="0" smtClean="0"/>
-              <a:t> </a:t>
-            </a:r>
-            <a:r>
-              <a:rPr lang="en-GB" sz="2000" dirty="0" err="1" smtClean="0"/>
+              <a:t>              </a:t>
+            </a:r>
+            <a:r>
+              <a:rPr lang="en-GB" sz="2000" dirty="0" err="1"/>
               <a:t>man.FirstName</a:t>
             </a:r>
             <a:r>
-              <a:rPr lang="en-GB" sz="2000" dirty="0" smtClean="0"/>
-              <a:t> </a:t>
-            </a:r>
-            <a:r>
               <a:rPr lang="en-GB" sz="2000" dirty="0"/>
-              <a:t>AS Manager</a:t>
+              <a:t> AS Manager</a:t>
             </a:r>
           </a:p>
           <a:p>
@@ -4739,10 +4579,9 @@
           <a:lstStyle/>
           <a:p>
             <a:r>
-              <a:rPr lang="en-GB" dirty="0" smtClean="0"/>
+              <a:rPr lang="en-GB" dirty="0"/>
               <a:t>Using Self Joins</a:t>
             </a:r>
-            <a:endParaRPr lang="en-GB" dirty="0"/>
           </a:p>
         </p:txBody>
       </p:sp>
@@ -4756,13 +4595,6 @@
   <p:clrMapOvr>
     <a:masterClrMapping/>
   </p:clrMapOvr>
-  <p:timing>
-    <p:tnLst>
-      <p:par>
-        <p:cTn id="1" dur="indefinite" restart="never" nodeType="tmRoot"/>
-      </p:par>
-    </p:tnLst>
-  </p:timing>
 </p:sld>
 </file>
 
@@ -4828,19 +4660,14 @@
           <a:p>
             <a:r>
               <a:rPr lang="en-GB" dirty="0"/>
-              <a:t>Join </a:t>
-            </a:r>
-            <a:r>
-              <a:rPr lang="en-GB" dirty="0" smtClean="0"/>
-              <a:t>Concepts</a:t>
-            </a:r>
-          </a:p>
-          <a:p>
-            <a:r>
-              <a:rPr lang="en-GB" dirty="0" smtClean="0"/>
+              <a:t>Join Concepts</a:t>
+            </a:r>
+          </a:p>
+          <a:p>
+            <a:r>
+              <a:rPr lang="en-GB" dirty="0"/>
               <a:t>Join Syntax</a:t>
             </a:r>
-            <a:endParaRPr lang="en-GB" dirty="0"/>
           </a:p>
           <a:p>
             <a:r>
@@ -4867,11 +4694,11 @@
             </a:r>
           </a:p>
           <a:p>
-            <a:endParaRPr lang="en-GB" dirty="0" smtClean="0"/>
-          </a:p>
-          <a:p>
-            <a:r>
-              <a:rPr lang="en-GB" dirty="0" smtClean="0"/>
+            <a:endParaRPr lang="en-GB" dirty="0"/>
+          </a:p>
+          <a:p>
+            <a:r>
+              <a:rPr lang="en-GB" dirty="0"/>
               <a:t>Lab: </a:t>
             </a:r>
             <a:r>
@@ -4892,13 +4719,6 @@
   <p:clrMapOvr>
     <a:masterClrMapping/>
   </p:clrMapOvr>
-  <p:timing>
-    <p:tnLst>
-      <p:par>
-        <p:cTn id="1" dur="indefinite" restart="never" nodeType="tmRoot"/>
-      </p:par>
-    </p:tnLst>
-  </p:timing>
 </p:sld>
 </file>
 
@@ -4967,37 +4787,37 @@
           <a:lstStyle/>
           <a:p>
             <a:r>
-              <a:rPr lang="en-GB" dirty="0" smtClean="0"/>
+              <a:rPr lang="en-GB" dirty="0"/>
               <a:t>Join Concepts</a:t>
             </a:r>
           </a:p>
           <a:p>
             <a:r>
-              <a:rPr lang="en-GB" dirty="0" smtClean="0"/>
+              <a:rPr lang="en-GB" dirty="0"/>
               <a:t>Join Syntax</a:t>
             </a:r>
           </a:p>
           <a:p>
             <a:r>
-              <a:rPr lang="en-GB" dirty="0" smtClean="0"/>
+              <a:rPr lang="en-GB" dirty="0"/>
               <a:t>Inner Joins</a:t>
             </a:r>
           </a:p>
           <a:p>
             <a:r>
-              <a:rPr lang="en-GB" dirty="0" smtClean="0"/>
+              <a:rPr lang="en-GB" dirty="0"/>
               <a:t>Outer Joins</a:t>
             </a:r>
           </a:p>
           <a:p>
             <a:r>
-              <a:rPr lang="en-GB" dirty="0" smtClean="0"/>
+              <a:rPr lang="en-GB" dirty="0"/>
               <a:t>Cross Joins</a:t>
             </a:r>
           </a:p>
           <a:p>
             <a:r>
-              <a:rPr lang="en-GB" dirty="0" smtClean="0"/>
+              <a:rPr lang="en-GB" dirty="0"/>
               <a:t>Self Joins</a:t>
             </a:r>
           </a:p>
@@ -5019,10 +4839,9 @@
           <a:lstStyle/>
           <a:p>
             <a:r>
-              <a:rPr lang="en-US" dirty="0" smtClean="0"/>
+              <a:rPr lang="en-US" dirty="0"/>
               <a:t>Module Overview</a:t>
             </a:r>
-            <a:endParaRPr lang="en-US" dirty="0"/>
           </a:p>
         </p:txBody>
       </p:sp>
@@ -5036,13 +4855,6 @@
   <p:clrMapOvr>
     <a:masterClrMapping/>
   </p:clrMapOvr>
-  <p:timing>
-    <p:tnLst>
-      <p:par>
-        <p:cTn id="1" dur="indefinite" restart="never" nodeType="tmRoot"/>
-      </p:par>
-    </p:tnLst>
-  </p:timing>
 </p:sld>
 </file>
 
@@ -5079,10 +4891,9 @@
           <a:lstStyle/>
           <a:p>
             <a:r>
-              <a:rPr lang="en-GB" dirty="0" smtClean="0"/>
+              <a:rPr lang="en-GB" dirty="0"/>
               <a:t>Join Concepts</a:t>
             </a:r>
-            <a:endParaRPr lang="en-GB" dirty="0"/>
           </a:p>
         </p:txBody>
       </p:sp>
@@ -5107,7 +4918,7 @@
           <a:lstStyle/>
           <a:p>
             <a:r>
-              <a:rPr lang="en-GB" dirty="0" smtClean="0"/>
+              <a:rPr lang="en-GB" dirty="0"/>
               <a:t>Combine rows from multiple tables by specifying matching criteria</a:t>
             </a:r>
           </a:p>
@@ -5115,58 +4926,53 @@
             <a:pPr lvl="1"/>
             <a:r>
               <a:rPr lang="en-GB" dirty="0"/>
-              <a:t>U</a:t>
-            </a:r>
-            <a:r>
-              <a:rPr lang="en-GB" dirty="0" smtClean="0"/>
-              <a:t>sually based on primary key – foreign key relationships</a:t>
+              <a:t>Usually based on primary key – foreign key relationships</a:t>
             </a:r>
           </a:p>
           <a:p>
             <a:pPr lvl="1"/>
             <a:r>
-              <a:rPr lang="en-GB" dirty="0" smtClean="0"/>
+              <a:rPr lang="en-GB" dirty="0"/>
               <a:t>For example, return rows that combine data from the </a:t>
             </a:r>
             <a:r>
-              <a:rPr lang="en-GB" b="1" dirty="0" smtClean="0"/>
+              <a:rPr lang="en-GB" b="1" dirty="0"/>
               <a:t>Employee</a:t>
             </a:r>
             <a:r>
-              <a:rPr lang="en-GB" dirty="0" smtClean="0"/>
+              <a:rPr lang="en-GB" dirty="0"/>
               <a:t> and </a:t>
             </a:r>
             <a:r>
-              <a:rPr lang="en-GB" b="1" dirty="0" err="1" smtClean="0"/>
+              <a:rPr lang="en-GB" b="1" dirty="0" err="1"/>
               <a:t>SalesOrder</a:t>
             </a:r>
             <a:r>
-              <a:rPr lang="en-GB" dirty="0" smtClean="0"/>
+              <a:rPr lang="en-GB" dirty="0"/>
               <a:t> tables by matching the </a:t>
             </a:r>
             <a:r>
-              <a:rPr lang="en-GB" b="1" dirty="0" err="1" smtClean="0"/>
+              <a:rPr lang="en-GB" b="1" dirty="0" err="1"/>
               <a:t>Employee.EmployeeID</a:t>
             </a:r>
             <a:r>
-              <a:rPr lang="en-GB" dirty="0" smtClean="0"/>
+              <a:rPr lang="en-GB" dirty="0"/>
               <a:t> primary key to the </a:t>
             </a:r>
             <a:r>
-              <a:rPr lang="en-GB" b="1" dirty="0" err="1" smtClean="0"/>
+              <a:rPr lang="en-GB" b="1" dirty="0" err="1"/>
               <a:t>SalesOrder.EmployeeID</a:t>
             </a:r>
             <a:r>
-              <a:rPr lang="en-GB" dirty="0" smtClean="0"/>
+              <a:rPr lang="en-GB" dirty="0"/>
               <a:t> foreign key</a:t>
             </a:r>
           </a:p>
           <a:p>
             <a:r>
-              <a:rPr lang="en-GB" dirty="0" smtClean="0"/>
+              <a:rPr lang="en-GB" dirty="0"/>
               <a:t>It helps to think of the tables as sets in a Venn diagram</a:t>
             </a:r>
-            <a:endParaRPr lang="en-GB" dirty="0"/>
           </a:p>
         </p:txBody>
       </p:sp>
@@ -5300,10 +5106,9 @@
             <a:lstStyle/>
             <a:p>
               <a:r>
-                <a:rPr lang="en-GB" dirty="0" smtClean="0"/>
+                <a:rPr lang="en-GB" dirty="0"/>
                 <a:t>Employee</a:t>
               </a:r>
-              <a:endParaRPr lang="en-GB" dirty="0"/>
             </a:p>
           </p:txBody>
         </p:sp>
@@ -5330,7 +5135,7 @@
             <a:lstStyle/>
             <a:p>
               <a:r>
-                <a:rPr lang="en-GB" dirty="0" err="1" smtClean="0"/>
+                <a:rPr lang="en-GB" dirty="0" err="1"/>
                 <a:t>SalesOrder</a:t>
               </a:r>
               <a:endParaRPr lang="en-GB" dirty="0"/>
@@ -5360,10 +5165,9 @@
             <a:lstStyle/>
             <a:p>
               <a:r>
-                <a:rPr lang="en-GB" dirty="0" smtClean="0"/>
+                <a:rPr lang="en-GB" dirty="0"/>
                 <a:t>Sales orders that were taken by employees</a:t>
               </a:r>
-              <a:endParaRPr lang="en-GB" dirty="0"/>
             </a:p>
           </p:txBody>
         </p:sp>
@@ -5669,10 +5473,9 @@
           <a:lstStyle/>
           <a:p>
             <a:r>
-              <a:rPr lang="en-GB" dirty="0" smtClean="0"/>
+              <a:rPr lang="en-GB" dirty="0"/>
               <a:t>Join Syntax</a:t>
             </a:r>
-            <a:endParaRPr lang="en-GB" dirty="0"/>
           </a:p>
         </p:txBody>
       </p:sp>
@@ -6112,7 +5915,7 @@
               <a:tabLst/>
               <a:defRPr/>
             </a:pPr>
-            <a:endParaRPr kumimoji="0" lang="en-US" sz="2400" b="0" i="0" u="none" strike="noStrike" kern="0" cap="none" spc="0" normalizeH="0" baseline="0" noProof="0" dirty="0" smtClean="0">
+            <a:endParaRPr kumimoji="0" lang="en-US" sz="2400" b="0" i="0" u="none" strike="noStrike" kern="0" cap="none" spc="0" normalizeH="0" baseline="0" noProof="0" dirty="0">
               <a:ln>
                 <a:noFill/>
               </a:ln>
@@ -6145,22 +5948,6 @@
               <a:defRPr/>
             </a:pPr>
             <a:r>
-              <a:rPr kumimoji="0" lang="en-US" sz="2400" b="0" i="0" u="none" strike="noStrike" kern="0" cap="none" spc="0" normalizeH="0" baseline="0" noProof="0" dirty="0" smtClean="0">
-                <a:ln>
-                  <a:noFill/>
-                </a:ln>
-                <a:solidFill>
-                  <a:srgbClr val="000000"/>
-                </a:solidFill>
-                <a:effectLst/>
-                <a:uLnTx/>
-                <a:uFillTx/>
-                <a:latin typeface="Segoe UI" pitchFamily="34" charset="0"/>
-                <a:cs typeface="Segoe UI" pitchFamily="34" charset="0"/>
-              </a:rPr>
-              <a:t>ANSI </a:t>
-            </a:r>
-            <a:r>
               <a:rPr kumimoji="0" lang="en-US" sz="2400" b="0" i="0" u="none" strike="noStrike" kern="0" cap="none" spc="0" normalizeH="0" baseline="0" noProof="0" dirty="0">
                 <a:ln>
                   <a:noFill/>
@@ -6174,7 +5961,7 @@
                 <a:latin typeface="Segoe UI" pitchFamily="34" charset="0"/>
                 <a:cs typeface="Segoe UI" pitchFamily="34" charset="0"/>
               </a:rPr>
-              <a:t>SQL-89</a:t>
+              <a:t>ANSI SQL-89</a:t>
             </a:r>
           </a:p>
           <a:p>
@@ -6419,7 +6206,7 @@
               <a:t>on_predicate</a:t>
             </a:r>
             <a:r>
-              <a:rPr kumimoji="0" lang="en-US" sz="2200" b="0" i="0" u="none" strike="noStrike" kern="0" cap="none" spc="0" normalizeH="0" baseline="0" noProof="0" dirty="0" smtClean="0">
+              <a:rPr kumimoji="0" lang="en-US" sz="2200" b="0" i="0" u="none" strike="noStrike" kern="0" cap="none" spc="0" normalizeH="0" baseline="0" noProof="0" dirty="0">
                 <a:ln>
                   <a:noFill/>
                 </a:ln>
@@ -6434,19 +6221,6 @@
               </a:rPr>
               <a:t>&gt;;</a:t>
             </a:r>
-            <a:endParaRPr kumimoji="0" lang="en-US" sz="2200" b="0" i="0" u="none" strike="noStrike" kern="0" cap="none" spc="0" normalizeH="0" baseline="0" noProof="0" dirty="0">
-              <a:ln>
-                <a:noFill/>
-              </a:ln>
-              <a:solidFill>
-                <a:srgbClr val="000000"/>
-              </a:solidFill>
-              <a:effectLst/>
-              <a:uLnTx/>
-              <a:uFillTx/>
-              <a:latin typeface="Courier New" panose="02070309020205020404" pitchFamily="49" charset="0"/>
-              <a:cs typeface="Courier New" panose="02070309020205020404" pitchFamily="49" charset="0"/>
-            </a:endParaRPr>
           </a:p>
         </p:txBody>
       </p:sp>
@@ -6620,7 +6394,7 @@
               <a:t>where_predicate</a:t>
             </a:r>
             <a:r>
-              <a:rPr kumimoji="0" lang="en-US" sz="2200" b="0" i="0" u="none" strike="noStrike" kern="0" cap="none" spc="0" normalizeH="0" baseline="0" noProof="0" dirty="0" smtClean="0">
+              <a:rPr kumimoji="0" lang="en-US" sz="2200" b="0" i="0" u="none" strike="noStrike" kern="0" cap="none" spc="0" normalizeH="0" baseline="0" noProof="0" dirty="0">
                 <a:ln>
                   <a:noFill/>
                 </a:ln>
@@ -6635,19 +6409,6 @@
               </a:rPr>
               <a:t>&gt;;</a:t>
             </a:r>
-            <a:endParaRPr kumimoji="0" lang="en-US" sz="2200" b="0" i="0" u="none" strike="noStrike" kern="0" cap="none" spc="0" normalizeH="0" baseline="0" noProof="0" dirty="0">
-              <a:ln>
-                <a:noFill/>
-              </a:ln>
-              <a:solidFill>
-                <a:srgbClr val="000000"/>
-              </a:solidFill>
-              <a:effectLst/>
-              <a:uLnTx/>
-              <a:uFillTx/>
-              <a:latin typeface="Courier New" panose="02070309020205020404" pitchFamily="49" charset="0"/>
-              <a:cs typeface="Courier New" panose="02070309020205020404" pitchFamily="49" charset="0"/>
-            </a:endParaRPr>
           </a:p>
         </p:txBody>
       </p:sp>
@@ -7008,10 +6769,9 @@
           <a:lstStyle/>
           <a:p>
             <a:r>
-              <a:rPr lang="en-GB" dirty="0" smtClean="0"/>
+              <a:rPr lang="en-GB" dirty="0"/>
               <a:t>Inner Joins</a:t>
             </a:r>
-            <a:endParaRPr lang="en-GB" dirty="0"/>
           </a:p>
         </p:txBody>
       </p:sp>
@@ -7032,58 +6792,34 @@
           <a:p>
             <a:pPr lvl="0"/>
             <a:r>
-              <a:rPr lang="en-US" dirty="0" smtClean="0">
-                <a:solidFill>
-                  <a:srgbClr val="000000"/>
-                </a:solidFill>
-              </a:rPr>
-              <a:t>Return </a:t>
-            </a:r>
-            <a:r>
               <a:rPr lang="en-US" dirty="0">
                 <a:solidFill>
                   <a:srgbClr val="000000"/>
                 </a:solidFill>
               </a:rPr>
-              <a:t>only rows where a match is found in both input tables</a:t>
+              <a:t>Return only rows where a match is found in both input tables</a:t>
             </a:r>
           </a:p>
           <a:p>
             <a:pPr lvl="0"/>
-            <a:r>
-              <a:rPr lang="en-US" dirty="0" smtClean="0">
-                <a:solidFill>
-                  <a:srgbClr val="000000"/>
-                </a:solidFill>
-              </a:rPr>
-              <a:t>Match </a:t>
-            </a:r>
             <a:r>
               <a:rPr lang="en-US" dirty="0">
                 <a:solidFill>
                   <a:srgbClr val="000000"/>
                 </a:solidFill>
               </a:rPr>
-              <a:t>rows based on attributes supplied in predicate</a:t>
+              <a:t>Match rows based on attributes supplied in predicate</a:t>
             </a:r>
           </a:p>
           <a:p>
             <a:pPr lvl="0"/>
-            <a:r>
-              <a:rPr lang="en-US" dirty="0" smtClean="0">
-                <a:solidFill>
-                  <a:srgbClr val="000000"/>
-                </a:solidFill>
-              </a:rPr>
-              <a:t>If </a:t>
-            </a:r>
             <a:r>
               <a:rPr lang="en-US" dirty="0">
                 <a:solidFill>
                   <a:srgbClr val="000000"/>
                 </a:solidFill>
               </a:rPr>
-              <a:t>join predicate operator is =, also known as </a:t>
+              <a:t>If join predicate operator is =, also known as </a:t>
             </a:r>
             <a:r>
               <a:rPr lang="en-US" dirty="0" err="1">
@@ -7251,10 +6987,9 @@
               <a:lstStyle/>
               <a:p>
                 <a:r>
-                  <a:rPr lang="en-GB" dirty="0" smtClean="0"/>
+                  <a:rPr lang="en-GB" dirty="0"/>
                   <a:t>Employee</a:t>
                 </a:r>
-                <a:endParaRPr lang="en-GB" dirty="0"/>
               </a:p>
             </p:txBody>
           </p:sp>
@@ -7281,7 +7016,7 @@
               <a:lstStyle/>
               <a:p>
                 <a:r>
-                  <a:rPr lang="en-GB" dirty="0" err="1" smtClean="0"/>
+                  <a:rPr lang="en-GB" dirty="0" err="1"/>
                   <a:t>SalesOrder</a:t>
                 </a:r>
                 <a:endParaRPr lang="en-GB" dirty="0"/>
@@ -7311,10 +7046,9 @@
               <a:lstStyle/>
               <a:p>
                 <a:r>
-                  <a:rPr lang="en-GB" dirty="0" smtClean="0"/>
+                  <a:rPr lang="en-GB" dirty="0"/>
                   <a:t>Set returned by inner join</a:t>
                 </a:r>
-                <a:endParaRPr lang="en-GB" dirty="0"/>
               </a:p>
             </p:txBody>
           </p:sp>
@@ -7871,10 +7605,9 @@
           <a:lstStyle/>
           <a:p>
             <a:r>
-              <a:rPr lang="en-GB" dirty="0" smtClean="0"/>
+              <a:rPr lang="en-GB" dirty="0"/>
               <a:t>Using Inner Joins</a:t>
             </a:r>
-            <a:endParaRPr lang="en-GB" dirty="0"/>
           </a:p>
         </p:txBody>
       </p:sp>
@@ -7924,10 +7657,9 @@
           <a:lstStyle/>
           <a:p>
             <a:r>
-              <a:rPr lang="en-GB" dirty="0" smtClean="0"/>
+              <a:rPr lang="en-GB" dirty="0"/>
               <a:t>Outer Joins</a:t>
             </a:r>
-            <a:endParaRPr lang="en-GB" dirty="0"/>
           </a:p>
         </p:txBody>
       </p:sp>
@@ -7953,20 +7685,12 @@
           <a:p>
             <a:pPr lvl="0"/>
             <a:r>
-              <a:rPr lang="en-US" sz="2400" dirty="0" smtClean="0">
-                <a:solidFill>
-                  <a:srgbClr val="000000"/>
-                </a:solidFill>
-              </a:rPr>
-              <a:t>Return </a:t>
-            </a:r>
-            <a:r>
               <a:rPr lang="en-US" sz="2400" dirty="0">
                 <a:solidFill>
                   <a:srgbClr val="000000"/>
                 </a:solidFill>
               </a:rPr>
-              <a:t>all rows from one table and any matching rows from second table</a:t>
+              <a:t>Return all rows from one table and any matching rows from second table</a:t>
             </a:r>
           </a:p>
           <a:p>
@@ -8043,69 +7767,8 @@
                   <a:srgbClr val="000000"/>
                 </a:solidFill>
               </a:rPr>
-              <a:t>Example: Return all </a:t>
-            </a:r>
-            <a:r>
-              <a:rPr lang="en-US" sz="2400" dirty="0" smtClean="0">
-                <a:solidFill>
-                  <a:srgbClr val="000000"/>
-                </a:solidFill>
-              </a:rPr>
-              <a:t>employees and </a:t>
-            </a:r>
-            <a:r>
-              <a:rPr lang="en-US" sz="2400" dirty="0">
-                <a:solidFill>
-                  <a:srgbClr val="000000"/>
-                </a:solidFill>
-              </a:rPr>
-              <a:t>for those who have </a:t>
-            </a:r>
-            <a:r>
-              <a:rPr lang="en-US" sz="2400" dirty="0" smtClean="0">
-                <a:solidFill>
-                  <a:srgbClr val="000000"/>
-                </a:solidFill>
-              </a:rPr>
-              <a:t>taken orders</a:t>
-            </a:r>
-            <a:r>
-              <a:rPr lang="en-US" sz="2400" dirty="0">
-                <a:solidFill>
-                  <a:srgbClr val="000000"/>
-                </a:solidFill>
-              </a:rPr>
-              <a:t>, return </a:t>
-            </a:r>
-            <a:r>
-              <a:rPr lang="en-US" sz="2400" dirty="0" smtClean="0">
-                <a:solidFill>
-                  <a:srgbClr val="000000"/>
-                </a:solidFill>
-              </a:rPr>
-              <a:t>the order amount. Employees without </a:t>
-            </a:r>
-            <a:r>
-              <a:rPr lang="en-US" sz="2400" dirty="0">
-                <a:solidFill>
-                  <a:srgbClr val="000000"/>
-                </a:solidFill>
-              </a:rPr>
-              <a:t>matching orders will display NULL for order </a:t>
-            </a:r>
-            <a:r>
-              <a:rPr lang="en-US" sz="2400" dirty="0" smtClean="0">
-                <a:solidFill>
-                  <a:srgbClr val="000000"/>
-                </a:solidFill>
-              </a:rPr>
-              <a:t>amount.</a:t>
-            </a:r>
-            <a:endParaRPr lang="en-US" sz="2400" dirty="0">
-              <a:solidFill>
-                <a:srgbClr val="000000"/>
-              </a:solidFill>
-            </a:endParaRPr>
+              <a:t>Example: Return all employees and for those who have taken orders, return the order amount. Employees without matching orders will display NULL for order amount.</a:t>
+            </a:r>
           </a:p>
         </p:txBody>
       </p:sp>
@@ -8260,10 +7923,9 @@
               <a:lstStyle/>
               <a:p>
                 <a:r>
-                  <a:rPr lang="en-GB" dirty="0" smtClean="0"/>
+                  <a:rPr lang="en-GB" dirty="0"/>
                   <a:t>Employee</a:t>
                 </a:r>
-                <a:endParaRPr lang="en-GB" dirty="0"/>
               </a:p>
             </p:txBody>
           </p:sp>
@@ -8290,7 +7952,7 @@
               <a:lstStyle/>
               <a:p>
                 <a:r>
-                  <a:rPr lang="en-GB" dirty="0" err="1" smtClean="0"/>
+                  <a:rPr lang="en-GB" dirty="0" err="1"/>
                   <a:t>SalesOrder</a:t>
                 </a:r>
                 <a:endParaRPr lang="en-GB" dirty="0"/>
@@ -8320,10 +7982,9 @@
               <a:lstStyle/>
               <a:p>
                 <a:r>
-                  <a:rPr lang="en-GB" dirty="0" smtClean="0"/>
+                  <a:rPr lang="en-GB" dirty="0"/>
                   <a:t>Set returned by left outer join</a:t>
                 </a:r>
-                <a:endParaRPr lang="en-GB" dirty="0"/>
               </a:p>
             </p:txBody>
           </p:sp>
@@ -8932,10 +8593,9 @@
           <a:lstStyle/>
           <a:p>
             <a:r>
-              <a:rPr lang="en-GB" dirty="0" smtClean="0"/>
+              <a:rPr lang="en-GB" dirty="0"/>
               <a:t>Using Outer Joins</a:t>
             </a:r>
-            <a:endParaRPr lang="en-GB" dirty="0"/>
           </a:p>
         </p:txBody>
       </p:sp>
@@ -8949,13 +8609,6 @@
   <p:clrMapOvr>
     <a:masterClrMapping/>
   </p:clrMapOvr>
-  <p:timing>
-    <p:tnLst>
-      <p:par>
-        <p:cTn id="1" dur="indefinite" restart="never" nodeType="tmRoot"/>
-      </p:par>
-    </p:tnLst>
-  </p:timing>
 </p:sld>
 </file>
 
@@ -8992,10 +8645,9 @@
           <a:lstStyle/>
           <a:p>
             <a:r>
-              <a:rPr lang="en-GB" dirty="0" smtClean="0"/>
+              <a:rPr lang="en-GB" dirty="0"/>
               <a:t>Cross Joins</a:t>
             </a:r>
-            <a:endParaRPr lang="en-GB" dirty="0"/>
           </a:p>
         </p:txBody>
       </p:sp>
@@ -9103,14 +8755,14 @@
                 <a:gridCol w="1173876">
                   <a:extLst>
                     <a:ext uri="{9D8B030D-6E8A-4147-A177-3AD203B41FA5}">
-                      <a16:colId xmlns:a16="http://schemas.microsoft.com/office/drawing/2014/main" xmlns="" val="20000"/>
+                      <a16:colId xmlns:a16="http://schemas.microsoft.com/office/drawing/2014/main" val="20000"/>
                     </a:ext>
                   </a:extLst>
                 </a:gridCol>
                 <a:gridCol w="1050709">
                   <a:extLst>
                     <a:ext uri="{9D8B030D-6E8A-4147-A177-3AD203B41FA5}">
-                      <a16:colId xmlns:a16="http://schemas.microsoft.com/office/drawing/2014/main" xmlns="" val="20001"/>
+                      <a16:colId xmlns:a16="http://schemas.microsoft.com/office/drawing/2014/main" val="20001"/>
                     </a:ext>
                   </a:extLst>
                 </a:gridCol>
@@ -9123,10 +8775,9 @@
                     <a:p>
                       <a:pPr algn="ctr"/>
                       <a:r>
-                        <a:rPr lang="en-GB" sz="1600" dirty="0" smtClean="0"/>
+                        <a:rPr lang="en-GB" sz="1600" dirty="0"/>
                         <a:t>Employee</a:t>
                       </a:r>
-                      <a:endParaRPr lang="en-GB" sz="1600" dirty="0"/>
                     </a:p>
                   </a:txBody>
                   <a:tcPr/>
@@ -9143,7 +8794,7 @@
                 </a:tc>
                 <a:extLst>
                   <a:ext uri="{0D108BD9-81ED-4DB2-BD59-A6C34878D82A}">
-                    <a16:rowId xmlns:a16="http://schemas.microsoft.com/office/drawing/2014/main" xmlns="" val="10000"/>
+                    <a16:rowId xmlns:a16="http://schemas.microsoft.com/office/drawing/2014/main" val="10000"/>
                   </a:ext>
                 </a:extLst>
               </a:tr>
@@ -9154,7 +8805,7 @@
                     <a:lstStyle/>
                     <a:p>
                       <a:r>
-                        <a:rPr lang="en-GB" sz="1600" b="0" dirty="0" err="1" smtClean="0">
+                        <a:rPr lang="en-GB" sz="1600" b="0" dirty="0" err="1">
                           <a:solidFill>
                             <a:schemeClr val="bg1"/>
                           </a:solidFill>
@@ -9180,7 +8831,7 @@
                     <a:lstStyle/>
                     <a:p>
                       <a:r>
-                        <a:rPr lang="en-GB" sz="1600" b="0" dirty="0" err="1" smtClean="0">
+                        <a:rPr lang="en-GB" sz="1600" b="0" dirty="0" err="1">
                           <a:solidFill>
                             <a:schemeClr val="bg1"/>
                           </a:solidFill>
@@ -9202,7 +8853,7 @@
                 </a:tc>
                 <a:extLst>
                   <a:ext uri="{0D108BD9-81ED-4DB2-BD59-A6C34878D82A}">
-                    <a16:rowId xmlns:a16="http://schemas.microsoft.com/office/drawing/2014/main" xmlns="" val="10001"/>
+                    <a16:rowId xmlns:a16="http://schemas.microsoft.com/office/drawing/2014/main" val="10001"/>
                   </a:ext>
                 </a:extLst>
               </a:tr>
@@ -9213,10 +8864,9 @@
                     <a:lstStyle/>
                     <a:p>
                       <a:r>
-                        <a:rPr lang="en-GB" sz="1600" dirty="0" smtClean="0"/>
+                        <a:rPr lang="en-GB" sz="1600" dirty="0"/>
                         <a:t>1</a:t>
                       </a:r>
-                      <a:endParaRPr lang="en-GB" sz="1600" dirty="0"/>
                     </a:p>
                   </a:txBody>
                   <a:tcPr/>
@@ -9227,17 +8877,16 @@
                     <a:lstStyle/>
                     <a:p>
                       <a:r>
-                        <a:rPr lang="en-GB" sz="1600" dirty="0" smtClean="0"/>
+                        <a:rPr lang="en-GB" sz="1600" dirty="0"/>
                         <a:t>Dan</a:t>
                       </a:r>
-                      <a:endParaRPr lang="en-GB" sz="1600" dirty="0"/>
                     </a:p>
                   </a:txBody>
                   <a:tcPr/>
                 </a:tc>
                 <a:extLst>
                   <a:ext uri="{0D108BD9-81ED-4DB2-BD59-A6C34878D82A}">
-                    <a16:rowId xmlns:a16="http://schemas.microsoft.com/office/drawing/2014/main" xmlns="" val="10002"/>
+                    <a16:rowId xmlns:a16="http://schemas.microsoft.com/office/drawing/2014/main" val="10002"/>
                   </a:ext>
                 </a:extLst>
               </a:tr>
@@ -9248,10 +8897,9 @@
                     <a:lstStyle/>
                     <a:p>
                       <a:r>
-                        <a:rPr lang="en-GB" sz="1600" dirty="0" smtClean="0"/>
+                        <a:rPr lang="en-GB" sz="1600" dirty="0"/>
                         <a:t>2</a:t>
                       </a:r>
-                      <a:endParaRPr lang="en-GB" sz="1600" dirty="0"/>
                     </a:p>
                   </a:txBody>
                   <a:tcPr/>
@@ -9262,17 +8910,16 @@
                     <a:lstStyle/>
                     <a:p>
                       <a:r>
-                        <a:rPr lang="en-GB" sz="1600" dirty="0" smtClean="0"/>
+                        <a:rPr lang="en-GB" sz="1600" dirty="0"/>
                         <a:t>Aisha</a:t>
                       </a:r>
-                      <a:endParaRPr lang="en-GB" sz="1600" dirty="0"/>
                     </a:p>
                   </a:txBody>
                   <a:tcPr/>
                 </a:tc>
                 <a:extLst>
                   <a:ext uri="{0D108BD9-81ED-4DB2-BD59-A6C34878D82A}">
-                    <a16:rowId xmlns:a16="http://schemas.microsoft.com/office/drawing/2014/main" xmlns="" val="10003"/>
+                    <a16:rowId xmlns:a16="http://schemas.microsoft.com/office/drawing/2014/main" val="10003"/>
                   </a:ext>
                 </a:extLst>
               </a:tr>
@@ -9308,14 +8955,14 @@
                 <a:gridCol w="1093597">
                   <a:extLst>
                     <a:ext uri="{9D8B030D-6E8A-4147-A177-3AD203B41FA5}">
-                      <a16:colId xmlns:a16="http://schemas.microsoft.com/office/drawing/2014/main" xmlns="" val="20000"/>
+                      <a16:colId xmlns:a16="http://schemas.microsoft.com/office/drawing/2014/main" val="20000"/>
                     </a:ext>
                   </a:extLst>
                 </a:gridCol>
                 <a:gridCol w="978853">
                   <a:extLst>
                     <a:ext uri="{9D8B030D-6E8A-4147-A177-3AD203B41FA5}">
-                      <a16:colId xmlns:a16="http://schemas.microsoft.com/office/drawing/2014/main" xmlns="" val="20001"/>
+                      <a16:colId xmlns:a16="http://schemas.microsoft.com/office/drawing/2014/main" val="20001"/>
                     </a:ext>
                   </a:extLst>
                 </a:gridCol>
@@ -9328,10 +8975,9 @@
                     <a:p>
                       <a:pPr algn="ctr"/>
                       <a:r>
-                        <a:rPr lang="en-GB" sz="1600" dirty="0" smtClean="0"/>
+                        <a:rPr lang="en-GB" sz="1600" dirty="0"/>
                         <a:t>Product</a:t>
                       </a:r>
-                      <a:endParaRPr lang="en-GB" sz="1600" dirty="0"/>
                     </a:p>
                   </a:txBody>
                   <a:tcPr/>
@@ -9348,7 +8994,7 @@
                 </a:tc>
                 <a:extLst>
                   <a:ext uri="{0D108BD9-81ED-4DB2-BD59-A6C34878D82A}">
-                    <a16:rowId xmlns:a16="http://schemas.microsoft.com/office/drawing/2014/main" xmlns="" val="10000"/>
+                    <a16:rowId xmlns:a16="http://schemas.microsoft.com/office/drawing/2014/main" val="10000"/>
                   </a:ext>
                 </a:extLst>
               </a:tr>
@@ -9359,7 +9005,7 @@
                     <a:lstStyle/>
                     <a:p>
                       <a:r>
-                        <a:rPr lang="en-GB" sz="1600" b="0" dirty="0" err="1" smtClean="0">
+                        <a:rPr lang="en-GB" sz="1600" b="0" dirty="0" err="1">
                           <a:solidFill>
                             <a:schemeClr val="bg1"/>
                           </a:solidFill>
@@ -9385,18 +9031,13 @@
                     <a:lstStyle/>
                     <a:p>
                       <a:r>
-                        <a:rPr lang="en-GB" sz="1600" b="0" dirty="0" smtClean="0">
+                        <a:rPr lang="en-GB" sz="1600" b="0" dirty="0">
                           <a:solidFill>
                             <a:schemeClr val="bg1"/>
                           </a:solidFill>
                         </a:rPr>
                         <a:t>Name</a:t>
                       </a:r>
-                      <a:endParaRPr lang="en-GB" sz="1600" b="0" dirty="0">
-                        <a:solidFill>
-                          <a:schemeClr val="bg1"/>
-                        </a:solidFill>
-                      </a:endParaRPr>
                     </a:p>
                   </a:txBody>
                   <a:tcPr>
@@ -9407,7 +9048,7 @@
                 </a:tc>
                 <a:extLst>
                   <a:ext uri="{0D108BD9-81ED-4DB2-BD59-A6C34878D82A}">
-                    <a16:rowId xmlns:a16="http://schemas.microsoft.com/office/drawing/2014/main" xmlns="" val="10001"/>
+                    <a16:rowId xmlns:a16="http://schemas.microsoft.com/office/drawing/2014/main" val="10001"/>
                   </a:ext>
                 </a:extLst>
               </a:tr>
@@ -9418,10 +9059,9 @@
                     <a:lstStyle/>
                     <a:p>
                       <a:r>
-                        <a:rPr lang="en-GB" sz="1600" dirty="0" smtClean="0"/>
+                        <a:rPr lang="en-GB" sz="1600" dirty="0"/>
                         <a:t>1</a:t>
                       </a:r>
-                      <a:endParaRPr lang="en-GB" sz="1600" dirty="0"/>
                     </a:p>
                   </a:txBody>
                   <a:tcPr/>
@@ -9432,17 +9072,16 @@
                     <a:lstStyle/>
                     <a:p>
                       <a:r>
-                        <a:rPr lang="en-GB" sz="1600" dirty="0" smtClean="0"/>
+                        <a:rPr lang="en-GB" sz="1600" dirty="0"/>
                         <a:t>Widget</a:t>
                       </a:r>
-                      <a:endParaRPr lang="en-GB" sz="1600" dirty="0"/>
                     </a:p>
                   </a:txBody>
                   <a:tcPr/>
                 </a:tc>
                 <a:extLst>
                   <a:ext uri="{0D108BD9-81ED-4DB2-BD59-A6C34878D82A}">
-                    <a16:rowId xmlns:a16="http://schemas.microsoft.com/office/drawing/2014/main" xmlns="" val="10002"/>
+                    <a16:rowId xmlns:a16="http://schemas.microsoft.com/office/drawing/2014/main" val="10002"/>
                   </a:ext>
                 </a:extLst>
               </a:tr>
@@ -9453,10 +9092,9 @@
                     <a:lstStyle/>
                     <a:p>
                       <a:r>
-                        <a:rPr lang="en-GB" sz="1600" dirty="0" smtClean="0"/>
+                        <a:rPr lang="en-GB" sz="1600" dirty="0"/>
                         <a:t>2</a:t>
                       </a:r>
-                      <a:endParaRPr lang="en-GB" sz="1600" dirty="0"/>
                     </a:p>
                   </a:txBody>
                   <a:tcPr/>
@@ -9467,17 +9105,16 @@
                     <a:lstStyle/>
                     <a:p>
                       <a:r>
-                        <a:rPr lang="en-GB" sz="1600" dirty="0" smtClean="0"/>
+                        <a:rPr lang="en-GB" sz="1600" dirty="0"/>
                         <a:t>Gizmo</a:t>
                       </a:r>
-                      <a:endParaRPr lang="en-GB" sz="1600" dirty="0"/>
                     </a:p>
                   </a:txBody>
                   <a:tcPr/>
                 </a:tc>
                 <a:extLst>
                   <a:ext uri="{0D108BD9-81ED-4DB2-BD59-A6C34878D82A}">
-                    <a16:rowId xmlns:a16="http://schemas.microsoft.com/office/drawing/2014/main" xmlns="" val="10003"/>
+                    <a16:rowId xmlns:a16="http://schemas.microsoft.com/office/drawing/2014/main" val="10003"/>
                   </a:ext>
                 </a:extLst>
               </a:tr>
@@ -9513,14 +9150,14 @@
                 <a:gridCol w="1222691">
                   <a:extLst>
                     <a:ext uri="{9D8B030D-6E8A-4147-A177-3AD203B41FA5}">
-                      <a16:colId xmlns:a16="http://schemas.microsoft.com/office/drawing/2014/main" xmlns="" val="20001"/>
+                      <a16:colId xmlns:a16="http://schemas.microsoft.com/office/drawing/2014/main" val="20001"/>
                     </a:ext>
                   </a:extLst>
                 </a:gridCol>
                 <a:gridCol w="1191677">
                   <a:extLst>
                     <a:ext uri="{9D8B030D-6E8A-4147-A177-3AD203B41FA5}">
-                      <a16:colId xmlns:a16="http://schemas.microsoft.com/office/drawing/2014/main" xmlns="" val="20002"/>
+                      <a16:colId xmlns:a16="http://schemas.microsoft.com/office/drawing/2014/main" val="20002"/>
                     </a:ext>
                   </a:extLst>
                 </a:gridCol>
@@ -9533,10 +9170,9 @@
                     <a:p>
                       <a:pPr algn="ctr"/>
                       <a:r>
-                        <a:rPr lang="en-GB" sz="1600" dirty="0" smtClean="0"/>
+                        <a:rPr lang="en-GB" sz="1600" dirty="0"/>
                         <a:t>Result</a:t>
                       </a:r>
-                      <a:endParaRPr lang="en-GB" sz="1600" dirty="0"/>
                     </a:p>
                   </a:txBody>
                   <a:tcPr/>
@@ -9553,7 +9189,7 @@
                 </a:tc>
                 <a:extLst>
                   <a:ext uri="{0D108BD9-81ED-4DB2-BD59-A6C34878D82A}">
-                    <a16:rowId xmlns:a16="http://schemas.microsoft.com/office/drawing/2014/main" xmlns="" val="10000"/>
+                    <a16:rowId xmlns:a16="http://schemas.microsoft.com/office/drawing/2014/main" val="10000"/>
                   </a:ext>
                 </a:extLst>
               </a:tr>
@@ -9564,7 +9200,7 @@
                     <a:lstStyle/>
                     <a:p>
                       <a:r>
-                        <a:rPr lang="en-GB" sz="1600" b="0" dirty="0" err="1" smtClean="0">
+                        <a:rPr lang="en-GB" sz="1600" b="0" dirty="0" err="1">
                           <a:solidFill>
                             <a:schemeClr val="bg1"/>
                           </a:solidFill>
@@ -9590,18 +9226,13 @@
                     <a:lstStyle/>
                     <a:p>
                       <a:r>
-                        <a:rPr lang="en-GB" sz="1600" b="0" dirty="0" smtClean="0">
+                        <a:rPr lang="en-GB" sz="1600" b="0" dirty="0">
                           <a:solidFill>
                             <a:schemeClr val="bg1"/>
                           </a:solidFill>
                         </a:rPr>
                         <a:t>Name</a:t>
                       </a:r>
-                      <a:endParaRPr lang="en-GB" sz="1600" b="0" dirty="0">
-                        <a:solidFill>
-                          <a:schemeClr val="bg1"/>
-                        </a:solidFill>
-                      </a:endParaRPr>
                     </a:p>
                   </a:txBody>
                   <a:tcPr>
@@ -9612,7 +9243,7 @@
                 </a:tc>
                 <a:extLst>
                   <a:ext uri="{0D108BD9-81ED-4DB2-BD59-A6C34878D82A}">
-                    <a16:rowId xmlns:a16="http://schemas.microsoft.com/office/drawing/2014/main" xmlns="" val="10001"/>
+                    <a16:rowId xmlns:a16="http://schemas.microsoft.com/office/drawing/2014/main" val="10001"/>
                   </a:ext>
                 </a:extLst>
               </a:tr>
@@ -9623,10 +9254,9 @@
                     <a:lstStyle/>
                     <a:p>
                       <a:r>
-                        <a:rPr lang="en-GB" sz="1600" dirty="0" smtClean="0"/>
+                        <a:rPr lang="en-GB" sz="1600" dirty="0"/>
                         <a:t>Dan</a:t>
                       </a:r>
-                      <a:endParaRPr lang="en-GB" sz="1600" dirty="0"/>
                     </a:p>
                   </a:txBody>
                   <a:tcPr/>
@@ -9637,17 +9267,16 @@
                     <a:lstStyle/>
                     <a:p>
                       <a:r>
-                        <a:rPr lang="en-GB" sz="1600" dirty="0" smtClean="0"/>
+                        <a:rPr lang="en-GB" sz="1600" dirty="0"/>
                         <a:t>Widget</a:t>
                       </a:r>
-                      <a:endParaRPr lang="en-GB" sz="1600" dirty="0"/>
                     </a:p>
                   </a:txBody>
                   <a:tcPr/>
                 </a:tc>
                 <a:extLst>
                   <a:ext uri="{0D108BD9-81ED-4DB2-BD59-A6C34878D82A}">
-                    <a16:rowId xmlns:a16="http://schemas.microsoft.com/office/drawing/2014/main" xmlns="" val="10002"/>
+                    <a16:rowId xmlns:a16="http://schemas.microsoft.com/office/drawing/2014/main" val="10002"/>
                   </a:ext>
                 </a:extLst>
               </a:tr>
@@ -9658,10 +9287,9 @@
                     <a:lstStyle/>
                     <a:p>
                       <a:r>
-                        <a:rPr lang="en-GB" sz="1600" dirty="0" smtClean="0"/>
+                        <a:rPr lang="en-GB" sz="1600" dirty="0"/>
                         <a:t>Dan</a:t>
                       </a:r>
-                      <a:endParaRPr lang="en-GB" sz="1600" dirty="0"/>
                     </a:p>
                   </a:txBody>
                   <a:tcPr/>
@@ -9672,17 +9300,16 @@
                     <a:lstStyle/>
                     <a:p>
                       <a:r>
-                        <a:rPr lang="en-GB" sz="1600" dirty="0" smtClean="0"/>
+                        <a:rPr lang="en-GB" sz="1600" dirty="0"/>
                         <a:t>Gizmo</a:t>
                       </a:r>
-                      <a:endParaRPr lang="en-GB" sz="1600" dirty="0"/>
                     </a:p>
                   </a:txBody>
                   <a:tcPr/>
                 </a:tc>
                 <a:extLst>
                   <a:ext uri="{0D108BD9-81ED-4DB2-BD59-A6C34878D82A}">
-                    <a16:rowId xmlns:a16="http://schemas.microsoft.com/office/drawing/2014/main" xmlns="" val="10003"/>
+                    <a16:rowId xmlns:a16="http://schemas.microsoft.com/office/drawing/2014/main" val="10003"/>
                   </a:ext>
                 </a:extLst>
               </a:tr>
@@ -9693,10 +9320,9 @@
                     <a:lstStyle/>
                     <a:p>
                       <a:r>
-                        <a:rPr lang="en-GB" sz="1600" dirty="0" smtClean="0"/>
+                        <a:rPr lang="en-GB" sz="1600" dirty="0"/>
                         <a:t>Aisha</a:t>
                       </a:r>
-                      <a:endParaRPr lang="en-GB" sz="1600" dirty="0"/>
                     </a:p>
                   </a:txBody>
                   <a:tcPr/>
@@ -9707,17 +9333,16 @@
                     <a:lstStyle/>
                     <a:p>
                       <a:r>
-                        <a:rPr lang="en-GB" sz="1600" dirty="0" smtClean="0"/>
+                        <a:rPr lang="en-GB" sz="1600" dirty="0"/>
                         <a:t>Widget</a:t>
                       </a:r>
-                      <a:endParaRPr lang="en-GB" sz="1600" dirty="0"/>
                     </a:p>
                   </a:txBody>
                   <a:tcPr/>
                 </a:tc>
                 <a:extLst>
                   <a:ext uri="{0D108BD9-81ED-4DB2-BD59-A6C34878D82A}">
-                    <a16:rowId xmlns:a16="http://schemas.microsoft.com/office/drawing/2014/main" xmlns="" val="10004"/>
+                    <a16:rowId xmlns:a16="http://schemas.microsoft.com/office/drawing/2014/main" val="10004"/>
                   </a:ext>
                 </a:extLst>
               </a:tr>
@@ -9728,10 +9353,9 @@
                     <a:lstStyle/>
                     <a:p>
                       <a:r>
-                        <a:rPr lang="en-GB" sz="1600" dirty="0" smtClean="0"/>
+                        <a:rPr lang="en-GB" sz="1600" dirty="0"/>
                         <a:t>Aisha</a:t>
                       </a:r>
-                      <a:endParaRPr lang="en-GB" sz="1600" dirty="0"/>
                     </a:p>
                   </a:txBody>
                   <a:tcPr/>
@@ -9742,14 +9366,18 @@
                     <a:lstStyle/>
                     <a:p>
                       <a:r>
-                        <a:rPr lang="en-GB" sz="1600" dirty="0" smtClean="0"/>
+                        <a:rPr lang="en-GB" sz="1600" dirty="0"/>
                         <a:t>Gizmo</a:t>
                       </a:r>
-                      <a:endParaRPr lang="en-GB" sz="1600" dirty="0"/>
                     </a:p>
                   </a:txBody>
                   <a:tcPr/>
                 </a:tc>
+                <a:extLst>
+                  <a:ext uri="{0D108BD9-81ED-4DB2-BD59-A6C34878D82A}">
+                    <a16:rowId xmlns:a16="http://schemas.microsoft.com/office/drawing/2014/main" val="10005"/>
+                  </a:ext>
+                </a:extLst>
               </a:tr>
             </a:tbl>
           </a:graphicData>
@@ -11179,21 +10807,6 @@
 </file>
 
 <file path=customXml/item1.xml><?xml version="1.0" encoding="utf-8"?>
-<?mso-contentType ?>
-<FormTemplates xmlns="http://schemas.microsoft.com/sharepoint/v3/contenttype/forms">
-  <Display>DocumentLibraryForm</Display>
-  <Edit>DocumentLibraryForm</Edit>
-  <New>DocumentLibraryForm</New>
-</FormTemplates>
-</file>
-
-<file path=customXml/item2.xml><?xml version="1.0" encoding="utf-8"?>
-<p:properties xmlns:p="http://schemas.microsoft.com/office/2006/metadata/properties" xmlns:xsi="http://www.w3.org/2001/XMLSchema-instance" xmlns:pc="http://schemas.microsoft.com/office/infopath/2007/PartnerControls">
-  <documentManagement/>
-</p:properties>
-</file>
-
-<file path=customXml/item3.xml><?xml version="1.0" encoding="utf-8"?>
 <ct:contentTypeSchema xmlns:ct="http://schemas.microsoft.com/office/2006/metadata/contentType" xmlns:ma="http://schemas.microsoft.com/office/2006/metadata/properties/metaAttributes" ct:_="" ma:_="" ma:contentTypeName="Document" ma:contentTypeID="0x01010079BB4A0D4213DB47994680C80D11F5DD" ma:contentTypeVersion="1" ma:contentTypeDescription="Create a new document." ma:contentTypeScope="" ma:versionID="96a6bc2bd8995b4b9093243cef4fad3d">
   <xsd:schema xmlns:xsd="http://www.w3.org/2001/XMLSchema" xmlns:xs="http://www.w3.org/2001/XMLSchema" xmlns:p="http://schemas.microsoft.com/office/2006/metadata/properties" xmlns:ns3="cee562b2-a1d2-4025-98f7-4342ab8845c9" targetNamespace="http://schemas.microsoft.com/office/2006/metadata/properties" ma:root="true" ma:fieldsID="13d9432d2926fecf9f1fb05b25550e3e" ns3:_="">
     <xsd:import namespace="cee562b2-a1d2-4025-98f7-4342ab8845c9"/>
@@ -11333,10 +10946,35 @@
 </ct:contentTypeSchema>
 </file>
 
+<file path=customXml/item2.xml><?xml version="1.0" encoding="utf-8"?>
+<p:properties xmlns:p="http://schemas.microsoft.com/office/2006/metadata/properties" xmlns:xsi="http://www.w3.org/2001/XMLSchema-instance" xmlns:pc="http://schemas.microsoft.com/office/infopath/2007/PartnerControls">
+  <documentManagement/>
+</p:properties>
+</file>
+
+<file path=customXml/item3.xml><?xml version="1.0" encoding="utf-8"?>
+<?mso-contentType ?>
+<FormTemplates xmlns="http://schemas.microsoft.com/sharepoint/v3/contenttype/forms">
+  <Display>DocumentLibraryForm</Display>
+  <Edit>DocumentLibraryForm</Edit>
+  <New>DocumentLibraryForm</New>
+</FormTemplates>
+</file>
+
 <file path=customXml/itemProps1.xml><?xml version="1.0" encoding="utf-8"?>
-<ds:datastoreItem xmlns:ds="http://schemas.openxmlformats.org/officeDocument/2006/customXml" ds:itemID="{B0CA13EC-1D3C-4D6F-8D1C-E8A452CFC79A}">
+<ds:datastoreItem xmlns:ds="http://schemas.openxmlformats.org/officeDocument/2006/customXml" ds:itemID="{E37FE919-C99D-4A11-AD9F-4196C972D308}">
   <ds:schemaRefs>
-    <ds:schemaRef ds:uri="http://schemas.microsoft.com/sharepoint/v3/contenttype/forms"/>
+    <ds:schemaRef ds:uri="http://schemas.microsoft.com/office/2006/metadata/contentType"/>
+    <ds:schemaRef ds:uri="http://schemas.microsoft.com/office/2006/metadata/properties/metaAttributes"/>
+    <ds:schemaRef ds:uri="http://www.w3.org/2001/XMLSchema"/>
+    <ds:schemaRef ds:uri="http://schemas.microsoft.com/office/2006/metadata/properties"/>
+    <ds:schemaRef ds:uri="cee562b2-a1d2-4025-98f7-4342ab8845c9"/>
+    <ds:schemaRef ds:uri="http://schemas.microsoft.com/office/2006/documentManagement/types"/>
+    <ds:schemaRef ds:uri="http://schemas.microsoft.com/office/infopath/2007/PartnerControls"/>
+    <ds:schemaRef ds:uri="http://schemas.openxmlformats.org/package/2006/metadata/core-properties"/>
+    <ds:schemaRef ds:uri="http://purl.org/dc/elements/1.1/"/>
+    <ds:schemaRef ds:uri="http://purl.org/dc/terms/"/>
+    <ds:schemaRef ds:uri="http://schemas.microsoft.com/internal/obd"/>
   </ds:schemaRefs>
 </ds:datastoreItem>
 </file>
@@ -11358,19 +10996,9 @@
 </file>
 
 <file path=customXml/itemProps3.xml><?xml version="1.0" encoding="utf-8"?>
-<ds:datastoreItem xmlns:ds="http://schemas.openxmlformats.org/officeDocument/2006/customXml" ds:itemID="{E37FE919-C99D-4A11-AD9F-4196C972D308}">
+<ds:datastoreItem xmlns:ds="http://schemas.openxmlformats.org/officeDocument/2006/customXml" ds:itemID="{B0CA13EC-1D3C-4D6F-8D1C-E8A452CFC79A}">
   <ds:schemaRefs>
-    <ds:schemaRef ds:uri="http://schemas.microsoft.com/office/2006/metadata/contentType"/>
-    <ds:schemaRef ds:uri="http://schemas.microsoft.com/office/2006/metadata/properties/metaAttributes"/>
-    <ds:schemaRef ds:uri="http://www.w3.org/2001/XMLSchema"/>
-    <ds:schemaRef ds:uri="http://schemas.microsoft.com/office/2006/metadata/properties"/>
-    <ds:schemaRef ds:uri="cee562b2-a1d2-4025-98f7-4342ab8845c9"/>
-    <ds:schemaRef ds:uri="http://schemas.microsoft.com/office/2006/documentManagement/types"/>
-    <ds:schemaRef ds:uri="http://schemas.microsoft.com/office/infopath/2007/PartnerControls"/>
-    <ds:schemaRef ds:uri="http://schemas.openxmlformats.org/package/2006/metadata/core-properties"/>
-    <ds:schemaRef ds:uri="http://purl.org/dc/elements/1.1/"/>
-    <ds:schemaRef ds:uri="http://purl.org/dc/terms/"/>
-    <ds:schemaRef ds:uri="http://schemas.microsoft.com/internal/obd"/>
+    <ds:schemaRef ds:uri="http://schemas.microsoft.com/sharepoint/v3/contenttype/forms"/>
   </ds:schemaRefs>
 </ds:datastoreItem>
 </file>